--- a/Documents/analysis/additional_details_plan.pptx
+++ b/Documents/analysis/additional_details_plan.pptx
@@ -5,13 +5,14 @@
     <p:sldMasterId id="2147483648" r:id="rId1"/>
   </p:sldMasterIdLst>
   <p:notesMasterIdLst>
-    <p:notesMasterId r:id="rId6"/>
+    <p:notesMasterId r:id="rId7"/>
   </p:notesMasterIdLst>
   <p:sldIdLst>
-    <p:sldId id="1074" r:id="rId2"/>
-    <p:sldId id="1078" r:id="rId3"/>
-    <p:sldId id="1075" r:id="rId4"/>
-    <p:sldId id="1076" r:id="rId5"/>
+    <p:sldId id="1076" r:id="rId2"/>
+    <p:sldId id="1075" r:id="rId3"/>
+    <p:sldId id="1077" r:id="rId4"/>
+    <p:sldId id="1078" r:id="rId5"/>
+    <p:sldId id="1079" r:id="rId6"/>
   </p:sldIdLst>
   <p:sldSz cx="12192000" cy="6858000"/>
   <p:notesSz cx="6858000" cy="9144000"/>
@@ -200,7 +201,7 @@
           <a:p>
             <a:fld id="{AA3DA5C9-E424-8A4A-B0A6-B6DD99307809}" type="datetimeFigureOut">
               <a:rPr lang="en-US" smtClean="0"/>
-              <a:t>1/14/21</a:t>
+              <a:t>1/16/21</a:t>
             </a:fld>
             <a:endParaRPr lang="en-US"/>
           </a:p>
@@ -612,9 +613,9 @@
           <a:bodyPr/>
           <a:lstStyle/>
           <a:p>
-            <a:fld id="{1629838D-6EB1-DF43-9A9D-BEB2CF4D714C}" type="datetimeFigureOut">
+            <a:fld id="{1C466894-67A4-F641-8B7E-C19FA7CE2968}" type="datetime1">
               <a:rPr lang="en-US" smtClean="0"/>
-              <a:t>1/14/21</a:t>
+              <a:t>1/16/21</a:t>
             </a:fld>
             <a:endParaRPr lang="en-US"/>
           </a:p>
@@ -810,9 +811,9 @@
           <a:bodyPr/>
           <a:lstStyle/>
           <a:p>
-            <a:fld id="{1629838D-6EB1-DF43-9A9D-BEB2CF4D714C}" type="datetimeFigureOut">
+            <a:fld id="{65842E2E-6114-CF4B-B7B2-324E605BE862}" type="datetime1">
               <a:rPr lang="en-US" smtClean="0"/>
-              <a:t>1/14/21</a:t>
+              <a:t>1/16/21</a:t>
             </a:fld>
             <a:endParaRPr lang="en-US"/>
           </a:p>
@@ -1018,9 +1019,9 @@
           <a:bodyPr/>
           <a:lstStyle/>
           <a:p>
-            <a:fld id="{1629838D-6EB1-DF43-9A9D-BEB2CF4D714C}" type="datetimeFigureOut">
+            <a:fld id="{FA559CF9-E5F6-6E47-98F8-9B1844AA7CBC}" type="datetime1">
               <a:rPr lang="en-US" smtClean="0"/>
-              <a:t>1/14/21</a:t>
+              <a:t>1/16/21</a:t>
             </a:fld>
             <a:endParaRPr lang="en-US"/>
           </a:p>
@@ -1216,9 +1217,9 @@
           <a:bodyPr/>
           <a:lstStyle/>
           <a:p>
-            <a:fld id="{1629838D-6EB1-DF43-9A9D-BEB2CF4D714C}" type="datetimeFigureOut">
+            <a:fld id="{E9D31541-4DC2-3844-92B9-BB10F5EFA448}" type="datetime1">
               <a:rPr lang="en-US" smtClean="0"/>
-              <a:t>1/14/21</a:t>
+              <a:t>1/16/21</a:t>
             </a:fld>
             <a:endParaRPr lang="en-US"/>
           </a:p>
@@ -1491,9 +1492,9 @@
           <a:bodyPr/>
           <a:lstStyle/>
           <a:p>
-            <a:fld id="{1629838D-6EB1-DF43-9A9D-BEB2CF4D714C}" type="datetimeFigureOut">
+            <a:fld id="{D537C503-3669-B049-9AFA-54492E5C0E99}" type="datetime1">
               <a:rPr lang="en-US" smtClean="0"/>
-              <a:t>1/14/21</a:t>
+              <a:t>1/16/21</a:t>
             </a:fld>
             <a:endParaRPr lang="en-US"/>
           </a:p>
@@ -1756,9 +1757,9 @@
           <a:bodyPr/>
           <a:lstStyle/>
           <a:p>
-            <a:fld id="{1629838D-6EB1-DF43-9A9D-BEB2CF4D714C}" type="datetimeFigureOut">
+            <a:fld id="{A6A067F9-9E2B-CE45-B81D-0F888E5C444C}" type="datetime1">
               <a:rPr lang="en-US" smtClean="0"/>
-              <a:t>1/14/21</a:t>
+              <a:t>1/16/21</a:t>
             </a:fld>
             <a:endParaRPr lang="en-US"/>
           </a:p>
@@ -2168,9 +2169,9 @@
           <a:bodyPr/>
           <a:lstStyle/>
           <a:p>
-            <a:fld id="{1629838D-6EB1-DF43-9A9D-BEB2CF4D714C}" type="datetimeFigureOut">
+            <a:fld id="{F192521E-65B2-C14A-87D9-4E9D716B8427}" type="datetime1">
               <a:rPr lang="en-US" smtClean="0"/>
-              <a:t>1/14/21</a:t>
+              <a:t>1/16/21</a:t>
             </a:fld>
             <a:endParaRPr lang="en-US"/>
           </a:p>
@@ -2309,9 +2310,9 @@
           <a:bodyPr/>
           <a:lstStyle/>
           <a:p>
-            <a:fld id="{1629838D-6EB1-DF43-9A9D-BEB2CF4D714C}" type="datetimeFigureOut">
+            <a:fld id="{094CE1D4-8B89-F043-8F7C-AEA4BFDA4562}" type="datetime1">
               <a:rPr lang="en-US" smtClean="0"/>
-              <a:t>1/14/21</a:t>
+              <a:t>1/16/21</a:t>
             </a:fld>
             <a:endParaRPr lang="en-US"/>
           </a:p>
@@ -2422,9 +2423,9 @@
           <a:bodyPr/>
           <a:lstStyle/>
           <a:p>
-            <a:fld id="{1629838D-6EB1-DF43-9A9D-BEB2CF4D714C}" type="datetimeFigureOut">
+            <a:fld id="{F44FBC00-793F-5E4A-8B12-BB39154B5C3C}" type="datetime1">
               <a:rPr lang="en-US" smtClean="0"/>
-              <a:t>1/14/21</a:t>
+              <a:t>1/16/21</a:t>
             </a:fld>
             <a:endParaRPr lang="en-US"/>
           </a:p>
@@ -2733,9 +2734,9 @@
           <a:bodyPr/>
           <a:lstStyle/>
           <a:p>
-            <a:fld id="{1629838D-6EB1-DF43-9A9D-BEB2CF4D714C}" type="datetimeFigureOut">
+            <a:fld id="{60E91856-9BDF-5145-AF95-3E6F31CE8228}" type="datetime1">
               <a:rPr lang="en-US" smtClean="0"/>
-              <a:t>1/14/21</a:t>
+              <a:t>1/16/21</a:t>
             </a:fld>
             <a:endParaRPr lang="en-US"/>
           </a:p>
@@ -3021,9 +3022,9 @@
           <a:bodyPr/>
           <a:lstStyle/>
           <a:p>
-            <a:fld id="{1629838D-6EB1-DF43-9A9D-BEB2CF4D714C}" type="datetimeFigureOut">
+            <a:fld id="{4342E33D-B578-2C40-A190-217E7ADC7BD6}" type="datetime1">
               <a:rPr lang="en-US" smtClean="0"/>
-              <a:t>1/14/21</a:t>
+              <a:t>1/16/21</a:t>
             </a:fld>
             <a:endParaRPr lang="en-US"/>
           </a:p>
@@ -3262,9 +3263,9 @@
             </a:lvl1pPr>
           </a:lstStyle>
           <a:p>
-            <a:fld id="{1629838D-6EB1-DF43-9A9D-BEB2CF4D714C}" type="datetimeFigureOut">
+            <a:fld id="{1AF25C40-A70C-3843-AC57-BE249D56C0DD}" type="datetime1">
               <a:rPr lang="en-US" smtClean="0"/>
-              <a:t>1/14/21</a:t>
+              <a:t>1/16/21</a:t>
             </a:fld>
             <a:endParaRPr lang="en-US"/>
           </a:p>
@@ -3381,6 +3382,7 @@
     <p:sldLayoutId id="2147483658" r:id="rId10"/>
     <p:sldLayoutId id="2147483659" r:id="rId11"/>
   </p:sldLayoutIdLst>
+  <p:hf sldNum="0" hdr="0" dt="0"/>
   <p:txStyles>
     <p:titleStyle>
       <a:lvl1pPr algn="l" defTabSz="914400" rtl="0" eaLnBrk="1" latinLnBrk="0" hangingPunct="1">
@@ -3686,7 +3688,7 @@
           <p:cNvPr id="2" name="Title 1">
             <a:extLst>
               <a:ext uri="{FF2B5EF4-FFF2-40B4-BE49-F238E27FC236}">
-                <a16:creationId xmlns:a16="http://schemas.microsoft.com/office/drawing/2014/main" id="{9C256914-33C9-3B4D-97DC-C2F907355AEE}"/>
+                <a16:creationId xmlns:a16="http://schemas.microsoft.com/office/drawing/2014/main" id="{0DE7E496-DB46-3F45-B8C0-7B59184461DB}"/>
               </a:ext>
             </a:extLst>
           </p:cNvPr>
@@ -3697,106 +3699,75 @@
             <p:ph type="title"/>
           </p:nvPr>
         </p:nvSpPr>
-        <p:spPr>
-          <a:xfrm>
-            <a:off x="838200" y="365126"/>
-            <a:ext cx="10515600" cy="616182"/>
-          </a:xfrm>
-        </p:spPr>
-        <p:txBody>
-          <a:bodyPr>
-            <a:normAutofit fontScale="90000"/>
-          </a:bodyPr>
+        <p:spPr/>
+        <p:txBody>
+          <a:bodyPr/>
+          <a:lstStyle/>
+          <a:p>
+            <a:endParaRPr lang="en-US"/>
+          </a:p>
+        </p:txBody>
+      </p:sp>
+      <p:sp>
+        <p:nvSpPr>
+          <p:cNvPr id="3" name="Content Placeholder 2">
+            <a:extLst>
+              <a:ext uri="{FF2B5EF4-FFF2-40B4-BE49-F238E27FC236}">
+                <a16:creationId xmlns:a16="http://schemas.microsoft.com/office/drawing/2014/main" id="{A112DA00-B284-1446-884C-EE0AF5FC96FA}"/>
+              </a:ext>
+            </a:extLst>
+          </p:cNvPr>
+          <p:cNvSpPr>
+            <a:spLocks noGrp="1"/>
+          </p:cNvSpPr>
+          <p:nvPr>
+            <p:ph idx="1"/>
+          </p:nvPr>
+        </p:nvSpPr>
+        <p:spPr/>
+        <p:txBody>
+          <a:bodyPr/>
           <a:lstStyle/>
           <a:p>
             <a:r>
               <a:rPr lang="en-US" dirty="0"/>
-              <a:t>Preprocessing Size</a:t>
-            </a:r>
-          </a:p>
-        </p:txBody>
-      </p:sp>
-      <p:sp>
-        <p:nvSpPr>
-          <p:cNvPr id="3" name="Content Placeholder 2">
-            <a:extLst>
-              <a:ext uri="{FF2B5EF4-FFF2-40B4-BE49-F238E27FC236}">
-                <a16:creationId xmlns:a16="http://schemas.microsoft.com/office/drawing/2014/main" id="{15C61E31-6E31-3347-8F73-004662B06615}"/>
-              </a:ext>
-            </a:extLst>
-          </p:cNvPr>
-          <p:cNvSpPr>
-            <a:spLocks noGrp="1"/>
-          </p:cNvSpPr>
-          <p:nvPr>
-            <p:ph idx="1"/>
-          </p:nvPr>
-        </p:nvSpPr>
-        <p:spPr>
-          <a:xfrm>
-            <a:off x="838200" y="1092820"/>
-            <a:ext cx="10515600" cy="5084143"/>
-          </a:xfrm>
-        </p:spPr>
-        <p:txBody>
-          <a:bodyPr/>
-          <a:lstStyle/>
-          <a:p>
-            <a:r>
-              <a:rPr lang="en-US" dirty="0"/>
-              <a:t>Any variables or storage assigned for computation of the protocol apart from input(x, x1, x2), key(K,k1,k2), </a:t>
-            </a:r>
-            <a:r>
-              <a:rPr lang="en-US" dirty="0" err="1"/>
-              <a:t>Radomization</a:t>
-            </a:r>
-            <a:r>
-              <a:rPr lang="en-US" dirty="0"/>
-              <a:t> matrix(</a:t>
-            </a:r>
-            <a:r>
-              <a:rPr lang="en-US" dirty="0" err="1"/>
-              <a:t>Rmat</a:t>
-            </a:r>
-            <a:r>
-              <a:rPr lang="en-US" dirty="0"/>
-              <a:t>) and output are considered towards preprocessing size.</a:t>
-            </a:r>
-          </a:p>
-          <a:p>
-            <a:r>
-              <a:rPr lang="en-US" dirty="0"/>
-              <a:t>Since centralized implementation didn’t use any ”extra” variables, their preprocessing size are not shown.</a:t>
-            </a:r>
-          </a:p>
-          <a:p>
-            <a:r>
-              <a:rPr lang="en-US" dirty="0"/>
-              <a:t>PackedZ3 or PackedPairZ2 takes 2n bits for </a:t>
-            </a:r>
-            <a:r>
-              <a:rPr lang="en-US" dirty="0" err="1"/>
-              <a:t>msb</a:t>
-            </a:r>
-            <a:r>
-              <a:rPr lang="en-US" dirty="0"/>
-              <a:t> and </a:t>
-            </a:r>
-            <a:r>
-              <a:rPr lang="en-US" dirty="0" err="1"/>
-              <a:t>lsb</a:t>
-            </a:r>
-            <a:r>
-              <a:rPr lang="en-US" dirty="0"/>
-              <a:t> as compared to n bits in PackedZ2&lt;N_COLS&gt;</a:t>
-            </a:r>
+              <a:t>Since the section is related to implementation, it’s good to stick to implementation details only.</a:t>
+            </a:r>
+          </a:p>
+          <a:p>
+            <a:endParaRPr lang="en-US" dirty="0"/>
+          </a:p>
+        </p:txBody>
+      </p:sp>
+      <p:sp>
+        <p:nvSpPr>
+          <p:cNvPr id="4" name="Footer Placeholder 3">
+            <a:extLst>
+              <a:ext uri="{FF2B5EF4-FFF2-40B4-BE49-F238E27FC236}">
+                <a16:creationId xmlns:a16="http://schemas.microsoft.com/office/drawing/2014/main" id="{C23726D3-40BD-BA43-B024-ABE381C0A0D8}"/>
+              </a:ext>
+            </a:extLst>
+          </p:cNvPr>
+          <p:cNvSpPr>
+            <a:spLocks noGrp="1"/>
+          </p:cNvSpPr>
+          <p:nvPr>
+            <p:ph type="ftr" sz="quarter" idx="11"/>
+          </p:nvPr>
+        </p:nvSpPr>
+        <p:spPr/>
+        <p:txBody>
+          <a:bodyPr/>
+          <a:lstStyle/>
+          <a:p>
+            <a:endParaRPr lang="en-US"/>
           </a:p>
         </p:txBody>
       </p:sp>
     </p:spTree>
     <p:extLst>
       <p:ext uri="{BB962C8B-B14F-4D97-AF65-F5344CB8AC3E}">
-        <p14:creationId xmlns:p14="http://schemas.microsoft.com/office/powerpoint/2010/main" val="2076989907"/>
+        <p14:creationId xmlns:p14="http://schemas.microsoft.com/office/powerpoint/2010/main" val="3388224881"/>
       </p:ext>
     </p:extLst>
   </p:cSld>
@@ -3828,7 +3799,7 @@
           <p:cNvPr id="2" name="Title 1">
             <a:extLst>
               <a:ext uri="{FF2B5EF4-FFF2-40B4-BE49-F238E27FC236}">
-                <a16:creationId xmlns:a16="http://schemas.microsoft.com/office/drawing/2014/main" id="{8CCD290A-AC55-F64D-A96E-0D2C7BC3BD94}"/>
+                <a16:creationId xmlns:a16="http://schemas.microsoft.com/office/drawing/2014/main" id="{AE8DCA69-34AF-634E-B242-5BDFE372425C}"/>
               </a:ext>
             </a:extLst>
           </p:cNvPr>
@@ -3839,21 +3810,17 @@
             <p:ph type="title"/>
           </p:nvPr>
         </p:nvSpPr>
-        <p:spPr>
-          <a:xfrm>
-            <a:off x="838200" y="365125"/>
-            <a:ext cx="10515600" cy="605031"/>
-          </a:xfrm>
-        </p:spPr>
-        <p:txBody>
-          <a:bodyPr>
-            <a:normAutofit fontScale="90000"/>
-          </a:bodyPr>
-          <a:lstStyle/>
-          <a:p>
-            <a:r>
+        <p:spPr/>
+        <p:txBody>
+          <a:bodyPr/>
+          <a:lstStyle/>
+          <a:p>
+            <a:br>
               <a:rPr lang="en-US" dirty="0"/>
-              <a:t>TCC’18 with packed</a:t>
+            </a:br>
+            <a:r>
+              <a:rPr lang="en-US" dirty="0"/>
+              <a:t>Additional Plans</a:t>
             </a:r>
           </a:p>
         </p:txBody>
@@ -3863,7 +3830,7 @@
           <p:cNvPr id="3" name="Content Placeholder 2">
             <a:extLst>
               <a:ext uri="{FF2B5EF4-FFF2-40B4-BE49-F238E27FC236}">
-                <a16:creationId xmlns:a16="http://schemas.microsoft.com/office/drawing/2014/main" id="{ACA0E2DA-ED47-3748-8B89-D8AE576F9584}"/>
+                <a16:creationId xmlns:a16="http://schemas.microsoft.com/office/drawing/2014/main" id="{01603FB0-1616-7644-90F2-D1DCEE6F6B9F}"/>
               </a:ext>
             </a:extLst>
           </p:cNvPr>
@@ -3874,702 +3841,71 @@
             <p:ph idx="1"/>
           </p:nvPr>
         </p:nvSpPr>
-        <p:spPr>
-          <a:xfrm>
-            <a:off x="838200" y="1056191"/>
-            <a:ext cx="3388112" cy="1999243"/>
-          </a:xfrm>
-        </p:spPr>
-        <p:txBody>
-          <a:bodyPr>
-            <a:normAutofit/>
-          </a:bodyPr>
+        <p:spPr/>
+        <p:txBody>
+          <a:bodyPr/>
           <a:lstStyle/>
           <a:p>
             <a:r>
               <a:rPr lang="en-US" dirty="0"/>
-              <a:t>Files: </a:t>
-            </a:r>
-          </a:p>
-          <a:p>
-            <a:pPr lvl="1"/>
-            <a:r>
-              <a:rPr lang="en-US" sz="1800" dirty="0" err="1"/>
-              <a:t>PRF.cpp</a:t>
-            </a:r>
-            <a:endParaRPr lang="en-US" sz="1800" dirty="0"/>
-          </a:p>
-          <a:p>
-            <a:pPr lvl="1"/>
-            <a:r>
-              <a:rPr lang="en-US" sz="1800" dirty="0"/>
-              <a:t>Toeplitz-by-</a:t>
-            </a:r>
-            <a:r>
-              <a:rPr lang="en-US" sz="1800" dirty="0" err="1"/>
-              <a:t>x.cpp</a:t>
-            </a:r>
-            <a:endParaRPr lang="en-US" sz="1800" dirty="0"/>
-          </a:p>
-          <a:p>
-            <a:pPr lvl="1"/>
-            <a:r>
-              <a:rPr lang="en-US" sz="1800" dirty="0" err="1"/>
-              <a:t>OT.cpp</a:t>
-            </a:r>
-            <a:endParaRPr lang="en-US" sz="1800" dirty="0"/>
-          </a:p>
-          <a:p>
-            <a:pPr lvl="1"/>
-            <a:r>
-              <a:rPr lang="en-US" sz="1800" dirty="0"/>
-              <a:t>PackedMod2.hpp</a:t>
-            </a:r>
-          </a:p>
-        </p:txBody>
-      </p:sp>
-      <mc:AlternateContent xmlns:mc="http://schemas.openxmlformats.org/markup-compatibility/2006">
-        <mc:Choice xmlns:a14="http://schemas.microsoft.com/office/drawing/2010/main" Requires="a14">
-          <p:graphicFrame>
-            <p:nvGraphicFramePr>
-              <p:cNvPr id="4" name="Table 3">
-                <a:extLst>
-                  <a:ext uri="{FF2B5EF4-FFF2-40B4-BE49-F238E27FC236}">
-                    <a16:creationId xmlns:a16="http://schemas.microsoft.com/office/drawing/2014/main" id="{C7B46911-E493-A04B-9730-9DF0F931BA17}"/>
-                  </a:ext>
-                </a:extLst>
-              </p:cNvPr>
-              <p:cNvGraphicFramePr>
-                <a:graphicFrameLocks noGrp="1"/>
-              </p:cNvGraphicFramePr>
-              <p:nvPr>
-                <p:extLst>
-                  <p:ext uri="{D42A27DB-BD31-4B8C-83A1-F6EECF244321}">
-                    <p14:modId xmlns:p14="http://schemas.microsoft.com/office/powerpoint/2010/main" val="1279907977"/>
-                  </p:ext>
-                </p:extLst>
-              </p:nvPr>
-            </p:nvGraphicFramePr>
-            <p:xfrm>
-              <a:off x="4471639" y="1183482"/>
-              <a:ext cx="5436222" cy="1479274"/>
-            </p:xfrm>
-            <a:graphic>
-              <a:graphicData uri="http://schemas.openxmlformats.org/drawingml/2006/table">
-                <a:tbl>
-                  <a:tblPr firstRow="1" bandRow="1">
-                    <a:tableStyleId>{5940675A-B579-460E-94D1-54222C63F5DA}</a:tableStyleId>
-                  </a:tblPr>
-                  <a:tblGrid>
-                    <a:gridCol w="1812074">
-                      <a:extLst>
-                        <a:ext uri="{9D8B030D-6E8A-4147-A177-3AD203B41FA5}">
-                          <a16:colId xmlns:a16="http://schemas.microsoft.com/office/drawing/2014/main" val="2780235502"/>
-                        </a:ext>
-                      </a:extLst>
-                    </a:gridCol>
-                    <a:gridCol w="1812074">
-                      <a:extLst>
-                        <a:ext uri="{9D8B030D-6E8A-4147-A177-3AD203B41FA5}">
-                          <a16:colId xmlns:a16="http://schemas.microsoft.com/office/drawing/2014/main" val="4124010374"/>
-                        </a:ext>
-                      </a:extLst>
-                    </a:gridCol>
-                    <a:gridCol w="1812074">
-                      <a:extLst>
-                        <a:ext uri="{9D8B030D-6E8A-4147-A177-3AD203B41FA5}">
-                          <a16:colId xmlns:a16="http://schemas.microsoft.com/office/drawing/2014/main" val="3769471840"/>
-                        </a:ext>
-                      </a:extLst>
-                    </a:gridCol>
-                  </a:tblGrid>
-                  <a:tr h="309579">
-                    <a:tc>
-                      <a:txBody>
-                        <a:bodyPr/>
-                        <a:lstStyle/>
-                        <a:p>
-                          <a:pPr algn="ctr"/>
-                          <a:r>
-                            <a:rPr lang="en-US" sz="1400" b="1" dirty="0"/>
-                            <a:t>Functions</a:t>
-                          </a:r>
-                        </a:p>
-                      </a:txBody>
-                      <a:tcPr/>
-                    </a:tc>
-                    <a:tc>
-                      <a:txBody>
-                        <a:bodyPr/>
-                        <a:lstStyle/>
-                        <a:p>
-                          <a:pPr algn="ctr"/>
-                          <a:r>
-                            <a:rPr lang="en-US" sz="1400" b="1"/>
-                            <a:t>Variables</a:t>
-                          </a:r>
-                          <a:endParaRPr lang="en-US" sz="1400" b="1" dirty="0"/>
-                        </a:p>
-                      </a:txBody>
-                      <a:tcPr/>
-                    </a:tc>
-                    <a:tc>
-                      <a:txBody>
-                        <a:bodyPr/>
-                        <a:lstStyle/>
-                        <a:p>
-                          <a:pPr algn="ctr"/>
-                          <a:r>
-                            <a:rPr lang="en-US" sz="1400" b="1" dirty="0"/>
-                            <a:t>Size</a:t>
-                          </a:r>
-                        </a:p>
-                      </a:txBody>
-                      <a:tcPr/>
-                    </a:tc>
-                    <a:extLst>
-                      <a:ext uri="{0D108BD9-81ED-4DB2-BD59-A6C34878D82A}">
-                        <a16:rowId xmlns:a16="http://schemas.microsoft.com/office/drawing/2014/main" val="2412432484"/>
-                      </a:ext>
-                    </a:extLst>
-                  </a:tr>
-                  <a:tr h="341956">
-                    <a:tc>
-                      <a:txBody>
-                        <a:bodyPr/>
-                        <a:lstStyle/>
-                        <a:p>
-                          <a:pPr algn="ctr"/>
-                          <a:r>
-                            <a:rPr lang="en-US" sz="1400" dirty="0" err="1"/>
-                            <a:t>Preproc_Toeplitz</a:t>
-                          </a:r>
-                          <a:r>
-                            <a:rPr lang="en-US" sz="1400" dirty="0"/>
-                            <a:t>-by-x()</a:t>
-                          </a:r>
-                        </a:p>
-                      </a:txBody>
-                      <a:tcPr/>
-                    </a:tc>
-                    <a:tc>
-                      <a:txBody>
-                        <a:bodyPr/>
-                        <a:lstStyle/>
-                        <a:p>
-                          <a:pPr algn="ctr"/>
-                          <a:r>
-                            <a:rPr lang="en-US" sz="1400" dirty="0" err="1"/>
-                            <a:t>rAs</a:t>
-                          </a:r>
-                          <a:r>
-                            <a:rPr lang="en-US" sz="1400" dirty="0"/>
-                            <a:t>, </a:t>
-                          </a:r>
-                          <a:r>
-                            <a:rPr lang="en-US" sz="1400" dirty="0" err="1"/>
-                            <a:t>rbs</a:t>
-                          </a:r>
-                          <a:r>
-                            <a:rPr lang="en-US" sz="1400" dirty="0"/>
-                            <a:t>, </a:t>
-                          </a:r>
-                          <a:r>
-                            <a:rPr lang="en-US" sz="1400" dirty="0" err="1"/>
-                            <a:t>rzs</a:t>
-                          </a:r>
-                          <a:r>
-                            <a:rPr lang="en-US" sz="1400" dirty="0"/>
-                            <a:t>, </a:t>
-                          </a:r>
-                          <a:r>
-                            <a:rPr lang="en-US" sz="1400" dirty="0" err="1"/>
-                            <a:t>rxs</a:t>
-                          </a:r>
-                          <a:endParaRPr lang="en-US" sz="1400" dirty="0"/>
-                        </a:p>
-                      </a:txBody>
-                      <a:tcPr/>
-                    </a:tc>
-                    <a:tc>
-                      <a:txBody>
-                        <a:bodyPr/>
-                        <a:lstStyle/>
-                        <a:p>
-                          <a:pPr algn="ctr"/>
-                          <a:r>
-                            <a:rPr lang="en-US" sz="1400" dirty="0"/>
-                            <a:t>2n+n+n+n = 4n</a:t>
-                          </a:r>
-                        </a:p>
-                      </a:txBody>
-                      <a:tcPr/>
-                    </a:tc>
-                    <a:extLst>
-                      <a:ext uri="{0D108BD9-81ED-4DB2-BD59-A6C34878D82A}">
-                        <a16:rowId xmlns:a16="http://schemas.microsoft.com/office/drawing/2014/main" val="4238301737"/>
-                      </a:ext>
-                    </a:extLst>
-                  </a:tr>
-                  <a:tr h="341956">
-                    <a:tc>
-                      <a:txBody>
-                        <a:bodyPr/>
-                        <a:lstStyle/>
-                        <a:p>
-                          <a:pPr algn="ctr"/>
-                          <a:r>
-                            <a:rPr lang="en-US" sz="1400" dirty="0" err="1"/>
-                            <a:t>Preproc_OT</a:t>
-                          </a:r>
-                          <a:endParaRPr lang="en-US" sz="1400" dirty="0"/>
-                        </a:p>
-                      </a:txBody>
-                      <a:tcPr/>
-                    </a:tc>
-                    <a:tc>
-                      <a:txBody>
-                        <a:bodyPr/>
-                        <a:lstStyle/>
-                        <a:p>
-                          <a:pPr algn="ctr"/>
-                          <a:r>
-                            <a:rPr lang="en-US" sz="1400" dirty="0"/>
-                            <a:t>raps, </a:t>
-                          </a:r>
-                          <a:r>
-                            <a:rPr lang="en-US" sz="1400" dirty="0" err="1"/>
-                            <a:t>rbps</a:t>
-                          </a:r>
-                          <a:r>
-                            <a:rPr lang="en-US" sz="1400" dirty="0"/>
-                            <a:t>, </a:t>
-                          </a:r>
-                          <a:r>
-                            <a:rPr lang="en-US" sz="1400" dirty="0" err="1"/>
-                            <a:t>zps</a:t>
-                          </a:r>
-                          <a:r>
-                            <a:rPr lang="en-US" sz="1400" dirty="0"/>
-                            <a:t>, </a:t>
-                          </a:r>
-                          <a:r>
-                            <a:rPr lang="en-US" sz="1400" dirty="0" err="1"/>
-                            <a:t>rxps</a:t>
-                          </a:r>
-                          <a:endParaRPr lang="en-US" sz="1400" dirty="0"/>
-                        </a:p>
-                      </a:txBody>
-                      <a:tcPr/>
-                    </a:tc>
-                    <a:tc>
-                      <a:txBody>
-                        <a:bodyPr/>
-                        <a:lstStyle/>
-                        <a:p>
-                          <a:pPr algn="ctr"/>
-                          <a:r>
-                            <a:rPr lang="en-US" sz="1400" dirty="0"/>
-                            <a:t>4n</a:t>
-                          </a:r>
-                        </a:p>
-                      </a:txBody>
-                      <a:tcPr/>
-                    </a:tc>
-                    <a:extLst>
-                      <a:ext uri="{0D108BD9-81ED-4DB2-BD59-A6C34878D82A}">
-                        <a16:rowId xmlns:a16="http://schemas.microsoft.com/office/drawing/2014/main" val="266417292"/>
-                      </a:ext>
-                    </a:extLst>
-                  </a:tr>
-                  <a:tr h="309579">
-                    <a:tc>
-                      <a:txBody>
-                        <a:bodyPr/>
-                        <a:lstStyle/>
-                        <a:p>
-                          <a:pPr algn="ctr"/>
-                          <a:endParaRPr lang="en-US" sz="1400" dirty="0"/>
-                        </a:p>
-                      </a:txBody>
-                      <a:tcPr/>
-                    </a:tc>
-                    <a:tc>
-                      <a:txBody>
-                        <a:bodyPr/>
-                        <a:lstStyle/>
-                        <a:p>
-                          <a:pPr algn="ctr"/>
-                          <a:endParaRPr lang="en-US" sz="1400" dirty="0"/>
-                        </a:p>
-                      </a:txBody>
-                      <a:tcPr/>
-                    </a:tc>
-                    <a:tc>
-                      <a:txBody>
-                        <a:bodyPr/>
-                        <a:lstStyle/>
-                        <a:p>
-                          <a:pPr algn="ctr"/>
-                          <a14:m>
-                            <m:oMathPara xmlns:m="http://schemas.openxmlformats.org/officeDocument/2006/math">
-                              <m:oMathParaPr>
-                                <m:jc m:val="centerGroup"/>
-                              </m:oMathParaPr>
-                              <m:oMath xmlns:m="http://schemas.openxmlformats.org/officeDocument/2006/math">
-                                <m:r>
-                                  <a:rPr lang="en-US" sz="1400" b="0" i="1" smtClean="0">
-                                    <a:latin typeface="Cambria Math" panose="02040503050406030204" pitchFamily="18" charset="0"/>
-                                  </a:rPr>
-                                  <m:t>8</m:t>
-                                </m:r>
-                                <m:r>
-                                  <a:rPr lang="en-US" sz="1400" b="0" i="1" smtClean="0">
-                                    <a:latin typeface="Cambria Math" panose="02040503050406030204" pitchFamily="18" charset="0"/>
-                                  </a:rPr>
-                                  <m:t>𝑛</m:t>
-                                </m:r>
-                                <m:r>
-                                  <a:rPr lang="en-US" sz="1400" b="0" i="1" smtClean="0">
-                                    <a:latin typeface="Cambria Math" panose="02040503050406030204" pitchFamily="18" charset="0"/>
-                                  </a:rPr>
-                                  <m:t>=2048 ~ 2</m:t>
-                                </m:r>
-                                <m:r>
-                                  <a:rPr lang="en-US" sz="1400" b="0" i="1" smtClean="0">
-                                    <a:latin typeface="Cambria Math" panose="02040503050406030204" pitchFamily="18" charset="0"/>
-                                    <a:ea typeface="Cambria Math" panose="02040503050406030204" pitchFamily="18" charset="0"/>
-                                  </a:rPr>
-                                  <m:t>𝐾</m:t>
-                                </m:r>
-                              </m:oMath>
-                            </m:oMathPara>
-                          </a14:m>
-                          <a:endParaRPr lang="en-US" sz="1400" dirty="0"/>
-                        </a:p>
-                      </a:txBody>
-                      <a:tcPr/>
-                    </a:tc>
-                    <a:extLst>
-                      <a:ext uri="{0D108BD9-81ED-4DB2-BD59-A6C34878D82A}">
-                        <a16:rowId xmlns:a16="http://schemas.microsoft.com/office/drawing/2014/main" val="2998986514"/>
-                      </a:ext>
-                    </a:extLst>
-                  </a:tr>
-                </a:tbl>
-              </a:graphicData>
-            </a:graphic>
-          </p:graphicFrame>
-        </mc:Choice>
-        <mc:Fallback>
-          <p:graphicFrame>
-            <p:nvGraphicFramePr>
-              <p:cNvPr id="4" name="Table 3">
-                <a:extLst>
-                  <a:ext uri="{FF2B5EF4-FFF2-40B4-BE49-F238E27FC236}">
-                    <a16:creationId xmlns:a16="http://schemas.microsoft.com/office/drawing/2014/main" id="{C7B46911-E493-A04B-9730-9DF0F931BA17}"/>
-                  </a:ext>
-                </a:extLst>
-              </p:cNvPr>
-              <p:cNvGraphicFramePr>
-                <a:graphicFrameLocks noGrp="1"/>
-              </p:cNvGraphicFramePr>
-              <p:nvPr>
-                <p:extLst>
-                  <p:ext uri="{D42A27DB-BD31-4B8C-83A1-F6EECF244321}">
-                    <p14:modId xmlns:p14="http://schemas.microsoft.com/office/powerpoint/2010/main" val="1279907977"/>
-                  </p:ext>
-                </p:extLst>
-              </p:nvPr>
-            </p:nvGraphicFramePr>
-            <p:xfrm>
-              <a:off x="4471639" y="1183482"/>
-              <a:ext cx="5436222" cy="1479274"/>
-            </p:xfrm>
-            <a:graphic>
-              <a:graphicData uri="http://schemas.openxmlformats.org/drawingml/2006/table">
-                <a:tbl>
-                  <a:tblPr firstRow="1" bandRow="1">
-                    <a:tableStyleId>{5940675A-B579-460E-94D1-54222C63F5DA}</a:tableStyleId>
-                  </a:tblPr>
-                  <a:tblGrid>
-                    <a:gridCol w="1812074">
-                      <a:extLst>
-                        <a:ext uri="{9D8B030D-6E8A-4147-A177-3AD203B41FA5}">
-                          <a16:colId xmlns:a16="http://schemas.microsoft.com/office/drawing/2014/main" val="2780235502"/>
-                        </a:ext>
-                      </a:extLst>
-                    </a:gridCol>
-                    <a:gridCol w="1812074">
-                      <a:extLst>
-                        <a:ext uri="{9D8B030D-6E8A-4147-A177-3AD203B41FA5}">
-                          <a16:colId xmlns:a16="http://schemas.microsoft.com/office/drawing/2014/main" val="4124010374"/>
-                        </a:ext>
-                      </a:extLst>
-                    </a:gridCol>
-                    <a:gridCol w="1812074">
-                      <a:extLst>
-                        <a:ext uri="{9D8B030D-6E8A-4147-A177-3AD203B41FA5}">
-                          <a16:colId xmlns:a16="http://schemas.microsoft.com/office/drawing/2014/main" val="3769471840"/>
-                        </a:ext>
-                      </a:extLst>
-                    </a:gridCol>
-                  </a:tblGrid>
-                  <a:tr h="309579">
-                    <a:tc>
-                      <a:txBody>
-                        <a:bodyPr/>
-                        <a:lstStyle/>
-                        <a:p>
-                          <a:pPr algn="ctr"/>
-                          <a:r>
-                            <a:rPr lang="en-US" sz="1400" b="1" dirty="0"/>
-                            <a:t>Functions</a:t>
-                          </a:r>
-                        </a:p>
-                      </a:txBody>
-                      <a:tcPr/>
-                    </a:tc>
-                    <a:tc>
-                      <a:txBody>
-                        <a:bodyPr/>
-                        <a:lstStyle/>
-                        <a:p>
-                          <a:pPr algn="ctr"/>
-                          <a:r>
-                            <a:rPr lang="en-US" sz="1400" b="1"/>
-                            <a:t>Variables</a:t>
-                          </a:r>
-                          <a:endParaRPr lang="en-US" sz="1400" b="1" dirty="0"/>
-                        </a:p>
-                      </a:txBody>
-                      <a:tcPr/>
-                    </a:tc>
-                    <a:tc>
-                      <a:txBody>
-                        <a:bodyPr/>
-                        <a:lstStyle/>
-                        <a:p>
-                          <a:pPr algn="ctr"/>
-                          <a:r>
-                            <a:rPr lang="en-US" sz="1400" b="1" dirty="0"/>
-                            <a:t>Size</a:t>
-                          </a:r>
-                        </a:p>
-                      </a:txBody>
-                      <a:tcPr/>
-                    </a:tc>
-                    <a:extLst>
-                      <a:ext uri="{0D108BD9-81ED-4DB2-BD59-A6C34878D82A}">
-                        <a16:rowId xmlns:a16="http://schemas.microsoft.com/office/drawing/2014/main" val="2412432484"/>
-                      </a:ext>
-                    </a:extLst>
-                  </a:tr>
-                  <a:tr h="518160">
-                    <a:tc>
-                      <a:txBody>
-                        <a:bodyPr/>
-                        <a:lstStyle/>
-                        <a:p>
-                          <a:pPr algn="ctr"/>
-                          <a:r>
-                            <a:rPr lang="en-US" sz="1400" dirty="0" err="1"/>
-                            <a:t>Preproc_Toeplitz</a:t>
-                          </a:r>
-                          <a:r>
-                            <a:rPr lang="en-US" sz="1400" dirty="0"/>
-                            <a:t>-by-x()</a:t>
-                          </a:r>
-                        </a:p>
-                      </a:txBody>
-                      <a:tcPr/>
-                    </a:tc>
-                    <a:tc>
-                      <a:txBody>
-                        <a:bodyPr/>
-                        <a:lstStyle/>
-                        <a:p>
-                          <a:pPr algn="ctr"/>
-                          <a:r>
-                            <a:rPr lang="en-US" sz="1400" dirty="0" err="1"/>
-                            <a:t>rAs</a:t>
-                          </a:r>
-                          <a:r>
-                            <a:rPr lang="en-US" sz="1400" dirty="0"/>
-                            <a:t>, </a:t>
-                          </a:r>
-                          <a:r>
-                            <a:rPr lang="en-US" sz="1400" dirty="0" err="1"/>
-                            <a:t>rbs</a:t>
-                          </a:r>
-                          <a:r>
-                            <a:rPr lang="en-US" sz="1400" dirty="0"/>
-                            <a:t>, </a:t>
-                          </a:r>
-                          <a:r>
-                            <a:rPr lang="en-US" sz="1400" dirty="0" err="1"/>
-                            <a:t>rzs</a:t>
-                          </a:r>
-                          <a:r>
-                            <a:rPr lang="en-US" sz="1400" dirty="0"/>
-                            <a:t>, </a:t>
-                          </a:r>
-                          <a:r>
-                            <a:rPr lang="en-US" sz="1400" dirty="0" err="1"/>
-                            <a:t>rxs</a:t>
-                          </a:r>
-                          <a:endParaRPr lang="en-US" sz="1400" dirty="0"/>
-                        </a:p>
-                      </a:txBody>
-                      <a:tcPr/>
-                    </a:tc>
-                    <a:tc>
-                      <a:txBody>
-                        <a:bodyPr/>
-                        <a:lstStyle/>
-                        <a:p>
-                          <a:pPr algn="ctr"/>
-                          <a:r>
-                            <a:rPr lang="en-US" sz="1400" dirty="0"/>
-                            <a:t>2n+n+n+n = 4n</a:t>
-                          </a:r>
-                        </a:p>
-                      </a:txBody>
-                      <a:tcPr/>
-                    </a:tc>
-                    <a:extLst>
-                      <a:ext uri="{0D108BD9-81ED-4DB2-BD59-A6C34878D82A}">
-                        <a16:rowId xmlns:a16="http://schemas.microsoft.com/office/drawing/2014/main" val="4238301737"/>
-                      </a:ext>
-                    </a:extLst>
-                  </a:tr>
-                  <a:tr h="341956">
-                    <a:tc>
-                      <a:txBody>
-                        <a:bodyPr/>
-                        <a:lstStyle/>
-                        <a:p>
-                          <a:pPr algn="ctr"/>
-                          <a:r>
-                            <a:rPr lang="en-US" sz="1400" dirty="0" err="1"/>
-                            <a:t>Preproc_OT</a:t>
-                          </a:r>
-                          <a:endParaRPr lang="en-US" sz="1400" dirty="0"/>
-                        </a:p>
-                      </a:txBody>
-                      <a:tcPr/>
-                    </a:tc>
-                    <a:tc>
-                      <a:txBody>
-                        <a:bodyPr/>
-                        <a:lstStyle/>
-                        <a:p>
-                          <a:pPr algn="ctr"/>
-                          <a:r>
-                            <a:rPr lang="en-US" sz="1400" dirty="0"/>
-                            <a:t>raps, </a:t>
-                          </a:r>
-                          <a:r>
-                            <a:rPr lang="en-US" sz="1400" dirty="0" err="1"/>
-                            <a:t>rbps</a:t>
-                          </a:r>
-                          <a:r>
-                            <a:rPr lang="en-US" sz="1400" dirty="0"/>
-                            <a:t>, </a:t>
-                          </a:r>
-                          <a:r>
-                            <a:rPr lang="en-US" sz="1400" dirty="0" err="1"/>
-                            <a:t>zps</a:t>
-                          </a:r>
-                          <a:r>
-                            <a:rPr lang="en-US" sz="1400" dirty="0"/>
-                            <a:t>, </a:t>
-                          </a:r>
-                          <a:r>
-                            <a:rPr lang="en-US" sz="1400" dirty="0" err="1"/>
-                            <a:t>rxps</a:t>
-                          </a:r>
-                          <a:endParaRPr lang="en-US" sz="1400" dirty="0"/>
-                        </a:p>
-                      </a:txBody>
-                      <a:tcPr/>
-                    </a:tc>
-                    <a:tc>
-                      <a:txBody>
-                        <a:bodyPr/>
-                        <a:lstStyle/>
-                        <a:p>
-                          <a:pPr algn="ctr"/>
-                          <a:r>
-                            <a:rPr lang="en-US" sz="1400" dirty="0"/>
-                            <a:t>4n</a:t>
-                          </a:r>
-                        </a:p>
-                      </a:txBody>
-                      <a:tcPr/>
-                    </a:tc>
-                    <a:extLst>
-                      <a:ext uri="{0D108BD9-81ED-4DB2-BD59-A6C34878D82A}">
-                        <a16:rowId xmlns:a16="http://schemas.microsoft.com/office/drawing/2014/main" val="266417292"/>
-                      </a:ext>
-                    </a:extLst>
-                  </a:tr>
-                  <a:tr h="309579">
-                    <a:tc>
-                      <a:txBody>
-                        <a:bodyPr/>
-                        <a:lstStyle/>
-                        <a:p>
-                          <a:pPr algn="ctr"/>
-                          <a:endParaRPr lang="en-US" sz="1400" dirty="0"/>
-                        </a:p>
-                      </a:txBody>
-                      <a:tcPr/>
-                    </a:tc>
-                    <a:tc>
-                      <a:txBody>
-                        <a:bodyPr/>
-                        <a:lstStyle/>
-                        <a:p>
-                          <a:pPr algn="ctr"/>
-                          <a:endParaRPr lang="en-US" sz="1400" dirty="0"/>
-                        </a:p>
-                      </a:txBody>
-                      <a:tcPr/>
-                    </a:tc>
-                    <a:tc>
-                      <a:txBody>
-                        <a:bodyPr/>
-                        <a:lstStyle/>
-                        <a:p>
-                          <a:endParaRPr lang="en-US"/>
-                        </a:p>
-                      </a:txBody>
-                      <a:tcPr>
-                        <a:blipFill>
-                          <a:blip r:embed="rId2"/>
-                          <a:stretch>
-                            <a:fillRect l="-200699" t="-391667" r="-699" b="-12500"/>
-                          </a:stretch>
-                        </a:blipFill>
-                      </a:tcPr>
-                    </a:tc>
-                    <a:extLst>
-                      <a:ext uri="{0D108BD9-81ED-4DB2-BD59-A6C34878D82A}">
-                        <a16:rowId xmlns:a16="http://schemas.microsoft.com/office/drawing/2014/main" val="2998986514"/>
-                      </a:ext>
-                    </a:extLst>
-                  </a:tr>
-                </a:tbl>
-              </a:graphicData>
-            </a:graphic>
-          </p:graphicFrame>
-        </mc:Fallback>
-      </mc:AlternateContent>
+              <a:t>Why did we do it?</a:t>
+            </a:r>
+          </a:p>
+          <a:p>
+            <a:r>
+              <a:rPr lang="en-US" dirty="0"/>
+              <a:t>What did we do?</a:t>
+            </a:r>
+          </a:p>
+          <a:p>
+            <a:r>
+              <a:rPr lang="en-US" dirty="0"/>
+              <a:t>What were the tradeoffs</a:t>
+            </a:r>
+          </a:p>
+          <a:p>
+            <a:r>
+              <a:rPr lang="en-US" dirty="0"/>
+              <a:t>Results</a:t>
+            </a:r>
+          </a:p>
+          <a:p>
+            <a:r>
+              <a:rPr lang="en-US" dirty="0"/>
+              <a:t>alternative</a:t>
+            </a:r>
+          </a:p>
+        </p:txBody>
+      </p:sp>
+      <p:sp>
+        <p:nvSpPr>
+          <p:cNvPr id="4" name="Footer Placeholder 3">
+            <a:extLst>
+              <a:ext uri="{FF2B5EF4-FFF2-40B4-BE49-F238E27FC236}">
+                <a16:creationId xmlns:a16="http://schemas.microsoft.com/office/drawing/2014/main" id="{9C31E084-2237-2745-BB95-A733B051CA3F}"/>
+              </a:ext>
+            </a:extLst>
+          </p:cNvPr>
+          <p:cNvSpPr>
+            <a:spLocks noGrp="1"/>
+          </p:cNvSpPr>
+          <p:nvPr>
+            <p:ph type="ftr" sz="quarter" idx="11"/>
+          </p:nvPr>
+        </p:nvSpPr>
+        <p:spPr/>
+        <p:txBody>
+          <a:bodyPr/>
+          <a:lstStyle/>
+          <a:p>
+            <a:endParaRPr lang="en-US"/>
+          </a:p>
+        </p:txBody>
+      </p:sp>
     </p:spTree>
     <p:extLst>
       <p:ext uri="{BB962C8B-B14F-4D97-AF65-F5344CB8AC3E}">
-        <p14:creationId xmlns:p14="http://schemas.microsoft.com/office/powerpoint/2010/main" val="932293205"/>
+        <p14:creationId xmlns:p14="http://schemas.microsoft.com/office/powerpoint/2010/main" val="275091034"/>
       </p:ext>
     </p:extLst>
   </p:cSld>
@@ -4601,7 +3937,7 @@
           <p:cNvPr id="2" name="Title 1">
             <a:extLst>
               <a:ext uri="{FF2B5EF4-FFF2-40B4-BE49-F238E27FC236}">
-                <a16:creationId xmlns:a16="http://schemas.microsoft.com/office/drawing/2014/main" id="{B6794081-496F-274A-ACC9-FF5705F7466A}"/>
+                <a16:creationId xmlns:a16="http://schemas.microsoft.com/office/drawing/2014/main" id="{A1225C5E-4088-A34C-AED0-77E6D0037879}"/>
               </a:ext>
             </a:extLst>
           </p:cNvPr>
@@ -4610,1239 +3946,157 @@
           </p:cNvSpPr>
           <p:nvPr>
             <p:ph type="title"/>
+          </p:nvPr>
+        </p:nvSpPr>
+        <p:spPr/>
+        <p:txBody>
+          <a:bodyPr/>
+          <a:lstStyle/>
+          <a:p>
+            <a:r>
+              <a:rPr lang="en-US" dirty="0"/>
+              <a:t>Why did we do it?</a:t>
+            </a:r>
+          </a:p>
+        </p:txBody>
+      </p:sp>
+      <p:sp>
+        <p:nvSpPr>
+          <p:cNvPr id="3" name="Content Placeholder 2">
+            <a:extLst>
+              <a:ext uri="{FF2B5EF4-FFF2-40B4-BE49-F238E27FC236}">
+                <a16:creationId xmlns:a16="http://schemas.microsoft.com/office/drawing/2014/main" id="{444FE32B-A573-C445-A689-A3499CBA5576}"/>
+              </a:ext>
+            </a:extLst>
+          </p:cNvPr>
+          <p:cNvSpPr>
+            <a:spLocks noGrp="1"/>
+          </p:cNvSpPr>
+          <p:nvPr>
+            <p:ph idx="1"/>
           </p:nvPr>
         </p:nvSpPr>
         <p:spPr>
           <a:xfrm>
-            <a:off x="838200" y="365126"/>
-            <a:ext cx="10515600" cy="560426"/>
+            <a:off x="838200" y="1825625"/>
+            <a:ext cx="10515600" cy="3761136"/>
           </a:xfrm>
         </p:spPr>
         <p:txBody>
           <a:bodyPr>
-            <a:normAutofit fontScale="90000"/>
+            <a:normAutofit fontScale="92500"/>
           </a:bodyPr>
           <a:lstStyle/>
           <a:p>
             <a:r>
+              <a:rPr lang="en-US" dirty="0" err="1"/>
+              <a:t>wPRF</a:t>
+            </a:r>
+            <a:r>
               <a:rPr lang="en-US" dirty="0"/>
-              <a:t>Fully Distributed (packed)</a:t>
-            </a:r>
-          </a:p>
-        </p:txBody>
-      </p:sp>
-      <p:sp>
-        <p:nvSpPr>
-          <p:cNvPr id="3" name="Content Placeholder 2">
-            <a:extLst>
-              <a:ext uri="{FF2B5EF4-FFF2-40B4-BE49-F238E27FC236}">
-                <a16:creationId xmlns:a16="http://schemas.microsoft.com/office/drawing/2014/main" id="{B1F68932-F313-3F4A-94E0-8ADB65061326}"/>
-              </a:ext>
-            </a:extLst>
-          </p:cNvPr>
-          <p:cNvSpPr>
-            <a:spLocks noGrp="1"/>
-          </p:cNvSpPr>
-          <p:nvPr>
-            <p:ph idx="1"/>
+              <a:t> was proposed¹ with two advantages:</a:t>
+            </a:r>
+          </a:p>
+          <a:p>
+            <a:pPr lvl="1"/>
+            <a:r>
+              <a:rPr lang="en-US" dirty="0"/>
+              <a:t>Simplicity</a:t>
+            </a:r>
+          </a:p>
+          <a:p>
+            <a:pPr lvl="1"/>
+            <a:r>
+              <a:rPr lang="en-US" dirty="0"/>
+              <a:t>Secure</a:t>
+            </a:r>
+          </a:p>
+          <a:p>
+            <a:r>
+              <a:rPr lang="en-US" dirty="0"/>
+              <a:t>Simplicity comes from the use of  “different moduli function” over input.</a:t>
+            </a:r>
+          </a:p>
+          <a:p>
+            <a:r>
+              <a:rPr lang="en-US" dirty="0"/>
+              <a:t>Competing applications using modular exponentiation took time to execute(as seen in later slides) </a:t>
+            </a:r>
+          </a:p>
+          <a:p>
+            <a:r>
+              <a:rPr lang="en-US" dirty="0"/>
+              <a:t>It became important to have an optimized implementation that can be benchmarked against competition and further improvement to </a:t>
+            </a:r>
+            <a:r>
+              <a:rPr lang="en-US" dirty="0" err="1"/>
+              <a:t>wPRF</a:t>
+            </a:r>
+            <a:r>
+              <a:rPr lang="en-US" dirty="0"/>
+              <a:t>.</a:t>
+            </a:r>
+          </a:p>
+        </p:txBody>
+      </p:sp>
+      <p:sp>
+        <p:nvSpPr>
+          <p:cNvPr id="4" name="Footer Placeholder 3">
+            <a:extLst>
+              <a:ext uri="{FF2B5EF4-FFF2-40B4-BE49-F238E27FC236}">
+                <a16:creationId xmlns:a16="http://schemas.microsoft.com/office/drawing/2014/main" id="{2E22C60E-7AC5-024B-99E7-C4E1F502FB3D}"/>
+              </a:ext>
+            </a:extLst>
+          </p:cNvPr>
+          <p:cNvSpPr>
+            <a:spLocks noGrp="1"/>
+          </p:cNvSpPr>
+          <p:nvPr>
+            <p:ph type="ftr" sz="quarter" idx="11"/>
           </p:nvPr>
         </p:nvSpPr>
         <p:spPr>
           <a:xfrm>
-            <a:off x="838200" y="1103971"/>
-            <a:ext cx="2908610" cy="1550019"/>
+            <a:off x="579863" y="5887999"/>
+            <a:ext cx="9980342" cy="365125"/>
           </a:xfrm>
         </p:spPr>
         <p:txBody>
           <a:bodyPr/>
           <a:lstStyle/>
           <a:p>
-            <a:r>
-              <a:rPr lang="en-US" sz="2000" dirty="0"/>
-              <a:t>Files: </a:t>
-            </a:r>
-          </a:p>
-          <a:p>
-            <a:pPr lvl="1"/>
-            <a:r>
-              <a:rPr lang="en-US" sz="2000" dirty="0" err="1"/>
-              <a:t>new_protocol.cpp</a:t>
-            </a:r>
-            <a:endParaRPr lang="en-US" sz="2000" dirty="0"/>
-          </a:p>
-          <a:p>
-            <a:pPr lvl="1"/>
-            <a:r>
-              <a:rPr lang="en-US" sz="2000" dirty="0"/>
-              <a:t>PackedMod2.hpp</a:t>
-            </a:r>
-          </a:p>
-          <a:p>
-            <a:pPr lvl="1"/>
-            <a:r>
-              <a:rPr lang="en-US" sz="2000" dirty="0"/>
-              <a:t>PackedMod3.hpp</a:t>
-            </a:r>
-          </a:p>
-        </p:txBody>
-      </p:sp>
-      <p:graphicFrame>
-        <p:nvGraphicFramePr>
-          <p:cNvPr id="5" name="Table 4">
-            <a:extLst>
-              <a:ext uri="{FF2B5EF4-FFF2-40B4-BE49-F238E27FC236}">
-                <a16:creationId xmlns:a16="http://schemas.microsoft.com/office/drawing/2014/main" id="{59D9B0C4-6A48-004E-9ED5-709BDA1E45BF}"/>
-              </a:ext>
-            </a:extLst>
-          </p:cNvPr>
-          <p:cNvGraphicFramePr>
-            <a:graphicFrameLocks noGrp="1"/>
-          </p:cNvGraphicFramePr>
-          <p:nvPr>
-            <p:extLst>
-              <p:ext uri="{D42A27DB-BD31-4B8C-83A1-F6EECF244321}">
-                <p14:modId xmlns:p14="http://schemas.microsoft.com/office/powerpoint/2010/main" val="1461854447"/>
-              </p:ext>
-            </p:extLst>
-          </p:nvPr>
-        </p:nvGraphicFramePr>
-        <p:xfrm>
-          <a:off x="5642517" y="1174716"/>
-          <a:ext cx="5436222" cy="1868838"/>
-        </p:xfrm>
-        <a:graphic>
-          <a:graphicData uri="http://schemas.openxmlformats.org/drawingml/2006/table">
-            <a:tbl>
-              <a:tblPr firstRow="1" bandRow="1">
-                <a:tableStyleId>{5940675A-B579-460E-94D1-54222C63F5DA}</a:tableStyleId>
-              </a:tblPr>
-              <a:tblGrid>
-                <a:gridCol w="1812074">
-                  <a:extLst>
-                    <a:ext uri="{9D8B030D-6E8A-4147-A177-3AD203B41FA5}">
-                      <a16:colId xmlns:a16="http://schemas.microsoft.com/office/drawing/2014/main" val="2780235502"/>
-                    </a:ext>
-                  </a:extLst>
-                </a:gridCol>
-                <a:gridCol w="1812074">
-                  <a:extLst>
-                    <a:ext uri="{9D8B030D-6E8A-4147-A177-3AD203B41FA5}">
-                      <a16:colId xmlns:a16="http://schemas.microsoft.com/office/drawing/2014/main" val="4124010374"/>
-                    </a:ext>
-                  </a:extLst>
-                </a:gridCol>
-                <a:gridCol w="1812074">
-                  <a:extLst>
-                    <a:ext uri="{9D8B030D-6E8A-4147-A177-3AD203B41FA5}">
-                      <a16:colId xmlns:a16="http://schemas.microsoft.com/office/drawing/2014/main" val="3769471840"/>
-                    </a:ext>
-                  </a:extLst>
-                </a:gridCol>
-              </a:tblGrid>
-              <a:tr h="309579">
-                <a:tc>
-                  <a:txBody>
-                    <a:bodyPr/>
-                    <a:lstStyle/>
-                    <a:p>
-                      <a:pPr algn="ctr"/>
-                      <a:r>
-                        <a:rPr lang="en-US" sz="1400" b="1" dirty="0"/>
-                        <a:t>Functions</a:t>
-                      </a:r>
-                    </a:p>
-                  </a:txBody>
-                  <a:tcPr/>
-                </a:tc>
-                <a:tc>
-                  <a:txBody>
-                    <a:bodyPr/>
-                    <a:lstStyle/>
-                    <a:p>
-                      <a:pPr algn="ctr"/>
-                      <a:r>
-                        <a:rPr lang="en-US" sz="1400" b="1"/>
-                        <a:t>Variables</a:t>
-                      </a:r>
-                      <a:endParaRPr lang="en-US" sz="1400" b="1" dirty="0"/>
-                    </a:p>
-                  </a:txBody>
-                  <a:tcPr/>
-                </a:tc>
-                <a:tc>
-                  <a:txBody>
-                    <a:bodyPr/>
-                    <a:lstStyle/>
-                    <a:p>
-                      <a:pPr algn="ctr"/>
-                      <a:r>
-                        <a:rPr lang="en-US" sz="1400" b="1" dirty="0"/>
-                        <a:t>Size</a:t>
-                      </a:r>
-                    </a:p>
-                  </a:txBody>
-                  <a:tcPr/>
-                </a:tc>
-                <a:extLst>
-                  <a:ext uri="{0D108BD9-81ED-4DB2-BD59-A6C34878D82A}">
-                    <a16:rowId xmlns:a16="http://schemas.microsoft.com/office/drawing/2014/main" val="2412432484"/>
-                  </a:ext>
-                </a:extLst>
-              </a:tr>
-              <a:tr h="341956">
-                <a:tc>
-                  <a:txBody>
-                    <a:bodyPr/>
-                    <a:lstStyle/>
-                    <a:p>
-                      <a:pPr algn="ctr"/>
-                      <a:r>
-                        <a:rPr lang="en-US" sz="1400" dirty="0"/>
-                        <a:t>Preproc_mod2()</a:t>
-                      </a:r>
-                    </a:p>
-                  </a:txBody>
-                  <a:tcPr/>
-                </a:tc>
-                <a:tc>
-                  <a:txBody>
-                    <a:bodyPr/>
-                    <a:lstStyle/>
-                    <a:p>
-                      <a:pPr algn="ctr"/>
-                      <a:r>
-                        <a:rPr lang="en-US" sz="1400" dirty="0"/>
-                        <a:t>Rx1,rx2, rK1,rK2, sw1, sw2, </a:t>
-                      </a:r>
-                      <a:r>
-                        <a:rPr lang="en-US" sz="1400" dirty="0" err="1"/>
-                        <a:t>rw_global</a:t>
-                      </a:r>
-                      <a:endParaRPr lang="en-US" sz="1400" dirty="0"/>
-                    </a:p>
-                  </a:txBody>
-                  <a:tcPr/>
-                </a:tc>
-                <a:tc>
-                  <a:txBody>
-                    <a:bodyPr/>
-                    <a:lstStyle/>
-                    <a:p>
-                      <a:pPr algn="ctr"/>
-                      <a:r>
-                        <a:rPr lang="en-US" sz="1400" dirty="0"/>
-                        <a:t>n+n+2n+2n+n+n+n</a:t>
-                      </a:r>
-                    </a:p>
-                    <a:p>
-                      <a:pPr algn="ctr"/>
-                      <a:r>
-                        <a:rPr lang="en-US" sz="1400" dirty="0"/>
-                        <a:t>= 9n</a:t>
-                      </a:r>
-                    </a:p>
-                  </a:txBody>
-                  <a:tcPr/>
-                </a:tc>
-                <a:extLst>
-                  <a:ext uri="{0D108BD9-81ED-4DB2-BD59-A6C34878D82A}">
-                    <a16:rowId xmlns:a16="http://schemas.microsoft.com/office/drawing/2014/main" val="4238301737"/>
-                  </a:ext>
-                </a:extLst>
-              </a:tr>
-              <a:tr h="341956">
-                <a:tc>
-                  <a:txBody>
-                    <a:bodyPr/>
-                    <a:lstStyle/>
-                    <a:p>
-                      <a:pPr algn="ctr"/>
-                      <a:r>
-                        <a:rPr lang="en-US" sz="1400" dirty="0"/>
-                        <a:t>Preproc_mod3()</a:t>
-                      </a:r>
-                    </a:p>
-                  </a:txBody>
-                  <a:tcPr/>
-                </a:tc>
-                <a:tc>
-                  <a:txBody>
-                    <a:bodyPr/>
-                    <a:lstStyle/>
-                    <a:p>
-                      <a:pPr algn="ctr"/>
-                      <a:r>
-                        <a:rPr lang="en-US" sz="1400" dirty="0" err="1"/>
-                        <a:t>Not_rw_global</a:t>
-                      </a:r>
-                      <a:r>
-                        <a:rPr lang="en-US" sz="1400" dirty="0"/>
-                        <a:t>, r0z_global, r0z1, r0z2, r1z_global, r1z1, r1z2</a:t>
-                      </a:r>
-                    </a:p>
-                  </a:txBody>
-                  <a:tcPr/>
-                </a:tc>
-                <a:tc>
-                  <a:txBody>
-                    <a:bodyPr/>
-                    <a:lstStyle/>
-                    <a:p>
-                      <a:pPr algn="ctr"/>
-                      <a:r>
-                        <a:rPr lang="en-US" sz="1400" dirty="0"/>
-                        <a:t>n+2n+2n+2n+2n+2n+2n = 13n</a:t>
-                      </a:r>
-                    </a:p>
-                  </a:txBody>
-                  <a:tcPr/>
-                </a:tc>
-                <a:extLst>
-                  <a:ext uri="{0D108BD9-81ED-4DB2-BD59-A6C34878D82A}">
-                    <a16:rowId xmlns:a16="http://schemas.microsoft.com/office/drawing/2014/main" val="266417292"/>
-                  </a:ext>
-                </a:extLst>
-              </a:tr>
-              <a:tr h="309579">
-                <a:tc>
-                  <a:txBody>
-                    <a:bodyPr/>
-                    <a:lstStyle/>
-                    <a:p>
-                      <a:pPr algn="ctr"/>
-                      <a:r>
-                        <a:rPr lang="en-US" sz="1400" dirty="0"/>
-                        <a:t>Total</a:t>
-                      </a:r>
-                    </a:p>
-                  </a:txBody>
-                  <a:tcPr/>
-                </a:tc>
-                <a:tc>
-                  <a:txBody>
-                    <a:bodyPr/>
-                    <a:lstStyle/>
-                    <a:p>
-                      <a:pPr algn="ctr"/>
-                      <a:endParaRPr lang="en-US" sz="1400" dirty="0"/>
-                    </a:p>
-                  </a:txBody>
-                  <a:tcPr/>
-                </a:tc>
-                <a:tc>
-                  <a:txBody>
-                    <a:bodyPr/>
-                    <a:lstStyle/>
-                    <a:p>
-                      <a:pPr algn="ctr"/>
-                      <a:r>
-                        <a:rPr lang="en-US" sz="1400" dirty="0"/>
-                        <a:t>22n = 5632 ~ 6K</a:t>
-                      </a:r>
-                    </a:p>
-                  </a:txBody>
-                  <a:tcPr/>
-                </a:tc>
-                <a:extLst>
-                  <a:ext uri="{0D108BD9-81ED-4DB2-BD59-A6C34878D82A}">
-                    <a16:rowId xmlns:a16="http://schemas.microsoft.com/office/drawing/2014/main" val="2998986514"/>
-                  </a:ext>
-                </a:extLst>
-              </a:tr>
-            </a:tbl>
-          </a:graphicData>
-        </a:graphic>
-      </p:graphicFrame>
-      <p:sp>
-        <p:nvSpPr>
-          <p:cNvPr id="7" name="Title 1">
-            <a:extLst>
-              <a:ext uri="{FF2B5EF4-FFF2-40B4-BE49-F238E27FC236}">
-                <a16:creationId xmlns:a16="http://schemas.microsoft.com/office/drawing/2014/main" id="{12348D67-2DD9-F042-B7F0-7804013BC091}"/>
-              </a:ext>
-            </a:extLst>
-          </p:cNvPr>
-          <p:cNvSpPr txBox="1">
-            <a:spLocks/>
-          </p:cNvSpPr>
-          <p:nvPr/>
-        </p:nvSpPr>
-        <p:spPr>
-          <a:xfrm>
-            <a:off x="838200" y="3254021"/>
-            <a:ext cx="10515600" cy="560426"/>
-          </a:xfrm>
-          <a:prstGeom prst="rect">
-            <a:avLst/>
-          </a:prstGeom>
-        </p:spPr>
-        <p:txBody>
-          <a:bodyPr vert="horz" lIns="91440" tIns="45720" rIns="91440" bIns="45720" rtlCol="0" anchor="ctr">
-            <a:normAutofit fontScale="90000" lnSpcReduction="20000"/>
-          </a:bodyPr>
-          <a:lstStyle>
-            <a:lvl1pPr algn="l" defTabSz="914400" rtl="0" eaLnBrk="1" latinLnBrk="0" hangingPunct="1">
-              <a:lnSpc>
-                <a:spcPct val="90000"/>
-              </a:lnSpc>
-              <a:spcBef>
-                <a:spcPct val="0"/>
-              </a:spcBef>
-              <a:buNone/>
-              <a:defRPr sz="4400" kern="1200">
+            <a:pPr algn="l"/>
+            <a:r>
+              <a:rPr lang="en-US" dirty="0">
                 <a:solidFill>
                   <a:schemeClr val="tx1"/>
                 </a:solidFill>
-                <a:latin typeface="+mj-lt"/>
-                <a:ea typeface="+mj-ea"/>
-                <a:cs typeface="+mj-cs"/>
-              </a:defRPr>
-            </a:lvl1pPr>
-          </a:lstStyle>
-          <a:p>
-            <a:r>
-              <a:rPr lang="en-US" dirty="0"/>
-              <a:t>Fully Distributed (</a:t>
-            </a:r>
-            <a:r>
-              <a:rPr lang="en-US" dirty="0" err="1"/>
-              <a:t>packed+lookup</a:t>
-            </a:r>
-            <a:r>
-              <a:rPr lang="en-US" dirty="0"/>
-              <a:t>)</a:t>
-            </a:r>
-          </a:p>
-        </p:txBody>
-      </p:sp>
-      <mc:AlternateContent xmlns:mc="http://schemas.openxmlformats.org/markup-compatibility/2006">
-        <mc:Choice xmlns:a14="http://schemas.microsoft.com/office/drawing/2010/main" Requires="a14">
-          <p:graphicFrame>
-            <p:nvGraphicFramePr>
-              <p:cNvPr id="8" name="Table 7">
-                <a:extLst>
-                  <a:ext uri="{FF2B5EF4-FFF2-40B4-BE49-F238E27FC236}">
-                    <a16:creationId xmlns:a16="http://schemas.microsoft.com/office/drawing/2014/main" id="{90B3DFDF-8A52-7348-983B-61F0BAAE3966}"/>
-                  </a:ext>
-                </a:extLst>
-              </p:cNvPr>
-              <p:cNvGraphicFramePr>
-                <a:graphicFrameLocks noGrp="1"/>
-              </p:cNvGraphicFramePr>
-              <p:nvPr>
-                <p:extLst>
-                  <p:ext uri="{D42A27DB-BD31-4B8C-83A1-F6EECF244321}">
-                    <p14:modId xmlns:p14="http://schemas.microsoft.com/office/powerpoint/2010/main" val="2604775306"/>
-                  </p:ext>
-                </p:extLst>
-              </p:nvPr>
-            </p:nvGraphicFramePr>
-            <p:xfrm>
-              <a:off x="1639229" y="4024914"/>
-              <a:ext cx="8062332" cy="2173638"/>
-            </p:xfrm>
-            <a:graphic>
-              <a:graphicData uri="http://schemas.openxmlformats.org/drawingml/2006/table">
-                <a:tbl>
-                  <a:tblPr firstRow="1" bandRow="1">
-                    <a:tableStyleId>{5940675A-B579-460E-94D1-54222C63F5DA}</a:tableStyleId>
-                  </a:tblPr>
-                  <a:tblGrid>
-                    <a:gridCol w="2687444">
-                      <a:extLst>
-                        <a:ext uri="{9D8B030D-6E8A-4147-A177-3AD203B41FA5}">
-                          <a16:colId xmlns:a16="http://schemas.microsoft.com/office/drawing/2014/main" val="2780235502"/>
-                        </a:ext>
-                      </a:extLst>
-                    </a:gridCol>
-                    <a:gridCol w="2687444">
-                      <a:extLst>
-                        <a:ext uri="{9D8B030D-6E8A-4147-A177-3AD203B41FA5}">
-                          <a16:colId xmlns:a16="http://schemas.microsoft.com/office/drawing/2014/main" val="4124010374"/>
-                        </a:ext>
-                      </a:extLst>
-                    </a:gridCol>
-                    <a:gridCol w="2687444">
-                      <a:extLst>
-                        <a:ext uri="{9D8B030D-6E8A-4147-A177-3AD203B41FA5}">
-                          <a16:colId xmlns:a16="http://schemas.microsoft.com/office/drawing/2014/main" val="3769471840"/>
-                        </a:ext>
-                      </a:extLst>
-                    </a:gridCol>
-                  </a:tblGrid>
-                  <a:tr h="309579">
-                    <a:tc>
-                      <a:txBody>
-                        <a:bodyPr/>
-                        <a:lstStyle/>
-                        <a:p>
-                          <a:pPr algn="ctr"/>
-                          <a:r>
-                            <a:rPr lang="en-US" sz="1400" b="1" dirty="0"/>
-                            <a:t>Functions</a:t>
-                          </a:r>
-                        </a:p>
-                      </a:txBody>
-                      <a:tcPr/>
-                    </a:tc>
-                    <a:tc>
-                      <a:txBody>
-                        <a:bodyPr/>
-                        <a:lstStyle/>
-                        <a:p>
-                          <a:pPr algn="ctr"/>
-                          <a:r>
-                            <a:rPr lang="en-US" sz="1400" b="1"/>
-                            <a:t>Variables</a:t>
-                          </a:r>
-                          <a:endParaRPr lang="en-US" sz="1400" b="1" dirty="0"/>
-                        </a:p>
-                      </a:txBody>
-                      <a:tcPr/>
-                    </a:tc>
-                    <a:tc>
-                      <a:txBody>
-                        <a:bodyPr/>
-                        <a:lstStyle/>
-                        <a:p>
-                          <a:pPr algn="ctr"/>
-                          <a:r>
-                            <a:rPr lang="en-US" sz="1400" b="1" dirty="0"/>
-                            <a:t>Size</a:t>
-                          </a:r>
-                        </a:p>
-                      </a:txBody>
-                      <a:tcPr/>
-                    </a:tc>
-                    <a:extLst>
-                      <a:ext uri="{0D108BD9-81ED-4DB2-BD59-A6C34878D82A}">
-                        <a16:rowId xmlns:a16="http://schemas.microsoft.com/office/drawing/2014/main" val="2412432484"/>
-                      </a:ext>
-                    </a:extLst>
-                  </a:tr>
-                  <a:tr h="341956">
-                    <a:tc>
-                      <a:txBody>
-                        <a:bodyPr/>
-                        <a:lstStyle/>
-                        <a:p>
-                          <a:pPr algn="ctr"/>
-                          <a:r>
-                            <a:rPr lang="en-US" sz="1400" dirty="0"/>
-                            <a:t>Preproc_mod2()</a:t>
-                          </a:r>
-                        </a:p>
-                      </a:txBody>
-                      <a:tcPr/>
-                    </a:tc>
-                    <a:tc>
-                      <a:txBody>
-                        <a:bodyPr/>
-                        <a:lstStyle/>
-                        <a:p>
-                          <a:pPr algn="ctr"/>
-                          <a:r>
-                            <a:rPr lang="en-US" sz="1400" dirty="0"/>
-                            <a:t>Rx1,rx2, rK1,rK2, sw1, sw2, </a:t>
-                          </a:r>
-                          <a:r>
-                            <a:rPr lang="en-US" sz="1400" dirty="0" err="1"/>
-                            <a:t>rw_global</a:t>
-                          </a:r>
-                          <a:endParaRPr lang="en-US" sz="1400" dirty="0"/>
-                        </a:p>
-                      </a:txBody>
-                      <a:tcPr/>
-                    </a:tc>
-                    <a:tc>
-                      <a:txBody>
-                        <a:bodyPr/>
-                        <a:lstStyle/>
-                        <a:p>
-                          <a:pPr algn="ctr"/>
-                          <a:r>
-                            <a:rPr lang="en-US" sz="1400" dirty="0"/>
-                            <a:t>n+n+2n+2n+n+n+n</a:t>
-                          </a:r>
-                        </a:p>
-                        <a:p>
-                          <a:pPr algn="ctr"/>
-                          <a:r>
-                            <a:rPr lang="en-US" sz="1400" dirty="0"/>
-                            <a:t>= 9n</a:t>
-                          </a:r>
-                        </a:p>
-                      </a:txBody>
-                      <a:tcPr/>
-                    </a:tc>
-                    <a:extLst>
-                      <a:ext uri="{0D108BD9-81ED-4DB2-BD59-A6C34878D82A}">
-                        <a16:rowId xmlns:a16="http://schemas.microsoft.com/office/drawing/2014/main" val="4238301737"/>
-                      </a:ext>
-                    </a:extLst>
-                  </a:tr>
-                  <a:tr h="341956">
-                    <a:tc>
-                      <a:txBody>
-                        <a:bodyPr/>
-                        <a:lstStyle/>
-                        <a:p>
-                          <a:pPr algn="ctr"/>
-                          <a:r>
-                            <a:rPr lang="en-US" sz="1400" dirty="0"/>
-                            <a:t>Preproc_mod3()</a:t>
-                          </a:r>
-                        </a:p>
-                      </a:txBody>
-                      <a:tcPr/>
-                    </a:tc>
-                    <a:tc>
-                      <a:txBody>
-                        <a:bodyPr/>
-                        <a:lstStyle/>
-                        <a:p>
-                          <a:pPr algn="ctr"/>
-                          <a:r>
-                            <a:rPr lang="en-US" sz="1400" dirty="0" err="1"/>
-                            <a:t>Not_rw_global</a:t>
-                          </a:r>
-                          <a:r>
-                            <a:rPr lang="en-US" sz="1400" dirty="0"/>
-                            <a:t>, r0z_global, r0z1, r0z2, r1z_global, r1z1, r1z2</a:t>
-                          </a:r>
-                        </a:p>
-                      </a:txBody>
-                      <a:tcPr/>
-                    </a:tc>
-                    <a:tc>
-                      <a:txBody>
-                        <a:bodyPr/>
-                        <a:lstStyle/>
-                        <a:p>
-                          <a:pPr algn="ctr"/>
-                          <a:r>
-                            <a:rPr lang="en-US" sz="1400" dirty="0"/>
-                            <a:t>n+2n+2n+2n+2n+2n+2n = 13n</a:t>
-                          </a:r>
-                        </a:p>
-                      </a:txBody>
-                      <a:tcPr/>
-                    </a:tc>
-                    <a:extLst>
-                      <a:ext uri="{0D108BD9-81ED-4DB2-BD59-A6C34878D82A}">
-                        <a16:rowId xmlns:a16="http://schemas.microsoft.com/office/drawing/2014/main" val="266417292"/>
-                      </a:ext>
-                    </a:extLst>
-                  </a:tr>
-                  <a:tr h="341956">
-                    <a:tc>
-                      <a:txBody>
-                        <a:bodyPr/>
-                        <a:lstStyle/>
-                        <a:p>
-                          <a:pPr algn="ctr"/>
-                          <a:r>
-                            <a:rPr lang="en-US" sz="1400" dirty="0" err="1"/>
-                            <a:t>Reformat_Rmat</a:t>
-                          </a:r>
-                          <a:r>
-                            <a:rPr lang="en-US" sz="1400" dirty="0"/>
-                            <a:t>()</a:t>
-                          </a:r>
-                        </a:p>
-                        <a:p>
-                          <a:pPr algn="ctr"/>
-                          <a:r>
-                            <a:rPr lang="en-US" sz="1400" dirty="0" err="1"/>
-                            <a:t>Create_Lookup</a:t>
-                          </a:r>
-                          <a:r>
-                            <a:rPr lang="en-US" sz="1400" dirty="0"/>
-                            <a:t> table()</a:t>
-                          </a:r>
-                        </a:p>
-                      </a:txBody>
-                      <a:tcPr/>
-                    </a:tc>
-                    <a:tc>
-                      <a:txBody>
-                        <a:bodyPr/>
-                        <a:lstStyle/>
-                        <a:p>
-                          <a:pPr algn="ctr"/>
-                          <a:r>
-                            <a:rPr lang="en-US" sz="1400" dirty="0"/>
-                            <a:t>Rmat16, </a:t>
-                          </a:r>
-                          <a:r>
-                            <a:rPr lang="en-US" sz="1400" dirty="0" err="1"/>
-                            <a:t>lookup_table</a:t>
-                          </a:r>
-                          <a:endParaRPr lang="en-US" sz="1400" dirty="0"/>
-                        </a:p>
-                      </a:txBody>
-                      <a:tcPr/>
-                    </a:tc>
-                    <a:tc>
-                      <a:txBody>
-                        <a:bodyPr/>
-                        <a:lstStyle/>
-                        <a:p>
-                          <a:pPr algn="ctr"/>
-                          <a14:m>
-                            <m:oMathPara xmlns:m="http://schemas.openxmlformats.org/officeDocument/2006/math">
-                              <m:oMathParaPr>
-                                <m:jc m:val="centerGroup"/>
-                              </m:oMathParaPr>
-                              <m:oMath xmlns:m="http://schemas.openxmlformats.org/officeDocument/2006/math">
-                                <m:r>
-                                  <a:rPr lang="en-US" sz="1400" b="0" i="1" smtClean="0">
-                                    <a:latin typeface="Cambria Math" panose="02040503050406030204" pitchFamily="18" charset="0"/>
-                                  </a:rPr>
-                                  <m:t>81</m:t>
-                                </m:r>
-                                <m:r>
-                                  <a:rPr lang="en-US" sz="1400" b="0" i="1" smtClean="0">
-                                    <a:latin typeface="Cambria Math" panose="02040503050406030204" pitchFamily="18" charset="0"/>
-                                  </a:rPr>
-                                  <m:t>𝑛</m:t>
-                                </m:r>
-                                <m:r>
-                                  <a:rPr lang="en-US" sz="1400" b="0" i="1" smtClean="0">
-                                    <a:latin typeface="Cambria Math" panose="02040503050406030204" pitchFamily="18" charset="0"/>
-                                  </a:rPr>
-                                  <m:t>+16 × </m:t>
-                                </m:r>
-                                <m:d>
-                                  <m:dPr>
-                                    <m:ctrlPr>
-                                      <a:rPr lang="en-US" sz="1400" b="0" i="1" smtClean="0">
-                                        <a:latin typeface="Cambria Math" panose="02040503050406030204" pitchFamily="18" charset="0"/>
-                                      </a:rPr>
-                                    </m:ctrlPr>
-                                  </m:dPr>
-                                  <m:e>
-                                    <m:sSup>
-                                      <m:sSupPr>
-                                        <m:ctrlPr>
-                                          <a:rPr lang="en-US" sz="1400" b="0" i="1" smtClean="0">
-                                            <a:latin typeface="Cambria Math" panose="02040503050406030204" pitchFamily="18" charset="0"/>
-                                          </a:rPr>
-                                        </m:ctrlPr>
-                                      </m:sSupPr>
-                                      <m:e>
-                                        <m:r>
-                                          <a:rPr lang="en-US" sz="1400" b="0" i="1" smtClean="0">
-                                            <a:latin typeface="Cambria Math" panose="02040503050406030204" pitchFamily="18" charset="0"/>
-                                          </a:rPr>
-                                          <m:t>2</m:t>
-                                        </m:r>
-                                      </m:e>
-                                      <m:sup>
-                                        <m:r>
-                                          <a:rPr lang="en-US" sz="1400" b="0" i="1" smtClean="0">
-                                            <a:latin typeface="Cambria Math" panose="02040503050406030204" pitchFamily="18" charset="0"/>
-                                          </a:rPr>
-                                          <m:t>16</m:t>
-                                        </m:r>
-                                      </m:sup>
-                                    </m:sSup>
-                                    <m:r>
-                                      <a:rPr lang="en-US" sz="1400" b="0" i="1" smtClean="0">
-                                        <a:latin typeface="Cambria Math" panose="02040503050406030204" pitchFamily="18" charset="0"/>
-                                      </a:rPr>
-                                      <m:t> −1</m:t>
-                                    </m:r>
-                                  </m:e>
-                                </m:d>
-                                <m:r>
-                                  <a:rPr lang="en-US" sz="1400" b="0" i="1" smtClean="0">
-                                    <a:latin typeface="Cambria Math" panose="02040503050406030204" pitchFamily="18" charset="0"/>
-                                  </a:rPr>
-                                  <m:t> </m:t>
-                                </m:r>
-                                <m:r>
-                                  <a:rPr lang="en-US" sz="1400" b="0" i="1" smtClean="0">
-                                    <a:latin typeface="Cambria Math" panose="02040503050406030204" pitchFamily="18" charset="0"/>
-                                    <a:ea typeface="Cambria Math" panose="02040503050406030204" pitchFamily="18" charset="0"/>
-                                  </a:rPr>
-                                  <m:t>~</m:t>
-                                </m:r>
-                                <m:r>
-                                  <a:rPr lang="en-US" sz="1400" b="0" i="1" smtClean="0">
-                                    <a:latin typeface="Cambria Math" panose="02040503050406030204" pitchFamily="18" charset="0"/>
-                                  </a:rPr>
-                                  <m:t> 41</m:t>
-                                </m:r>
-                                <m:r>
-                                  <a:rPr lang="en-US" sz="1400" b="0" i="1" smtClean="0">
-                                    <a:latin typeface="Cambria Math" panose="02040503050406030204" pitchFamily="18" charset="0"/>
-                                  </a:rPr>
-                                  <m:t>77</m:t>
-                                </m:r>
-                                <m:r>
-                                  <a:rPr lang="en-US" sz="1400" b="0" i="1" smtClean="0">
-                                    <a:latin typeface="Cambria Math" panose="02040503050406030204" pitchFamily="18" charset="0"/>
-                                  </a:rPr>
-                                  <m:t>𝑛</m:t>
-                                </m:r>
-                              </m:oMath>
-                            </m:oMathPara>
-                          </a14:m>
-                          <a:endParaRPr lang="en-US" sz="1400" dirty="0"/>
-                        </a:p>
-                      </a:txBody>
-                      <a:tcPr/>
-                    </a:tc>
-                    <a:extLst>
-                      <a:ext uri="{0D108BD9-81ED-4DB2-BD59-A6C34878D82A}">
-                        <a16:rowId xmlns:a16="http://schemas.microsoft.com/office/drawing/2014/main" val="100994603"/>
-                      </a:ext>
-                    </a:extLst>
-                  </a:tr>
-                  <a:tr h="309579">
-                    <a:tc>
-                      <a:txBody>
-                        <a:bodyPr/>
-                        <a:lstStyle/>
-                        <a:p>
-                          <a:pPr algn="ctr"/>
-                          <a:r>
-                            <a:rPr lang="en-US" sz="1400" dirty="0"/>
-                            <a:t>Total</a:t>
-                          </a:r>
-                        </a:p>
-                      </a:txBody>
-                      <a:tcPr/>
-                    </a:tc>
-                    <a:tc>
-                      <a:txBody>
-                        <a:bodyPr/>
-                        <a:lstStyle/>
-                        <a:p>
-                          <a:pPr algn="ctr"/>
-                          <a:endParaRPr lang="en-US" sz="1400" dirty="0"/>
-                        </a:p>
-                      </a:txBody>
-                      <a:tcPr/>
-                    </a:tc>
-                    <a:tc>
-                      <a:txBody>
-                        <a:bodyPr/>
-                        <a:lstStyle/>
-                        <a:p>
-                          <a:pPr algn="ctr"/>
-                          <a14:m>
-                            <m:oMathPara xmlns:m="http://schemas.openxmlformats.org/officeDocument/2006/math">
-                              <m:oMathParaPr>
-                                <m:jc m:val="centerGroup"/>
-                              </m:oMathParaPr>
-                              <m:oMath xmlns:m="http://schemas.openxmlformats.org/officeDocument/2006/math">
-                                <m:r>
-                                  <a:rPr lang="en-US" sz="1400" b="0" i="1" smtClean="0">
-                                    <a:latin typeface="Cambria Math" panose="02040503050406030204" pitchFamily="18" charset="0"/>
-                                  </a:rPr>
-                                  <m:t>4199</m:t>
-                                </m:r>
-                                <m:r>
-                                  <a:rPr lang="en-US" sz="1400" b="0" i="1" smtClean="0">
-                                    <a:latin typeface="Cambria Math" panose="02040503050406030204" pitchFamily="18" charset="0"/>
-                                  </a:rPr>
-                                  <m:t>𝑛</m:t>
-                                </m:r>
-                                <m:r>
-                                  <a:rPr lang="en-US" sz="1400" b="0" i="1" smtClean="0">
-                                    <a:latin typeface="Cambria Math" panose="02040503050406030204" pitchFamily="18" charset="0"/>
-                                  </a:rPr>
-                                  <m:t>=1,074,94</m:t>
-                                </m:r>
-                                <m:r>
-                                  <a:rPr lang="en-US" sz="1400" b="0" i="1" smtClean="0">
-                                    <a:latin typeface="Cambria Math" panose="02040503050406030204" pitchFamily="18" charset="0"/>
-                                  </a:rPr>
-                                  <m:t>4</m:t>
-                                </m:r>
-                                <m:r>
-                                  <a:rPr lang="en-US" sz="1400" b="0" i="1" smtClean="0">
-                                    <a:latin typeface="Cambria Math" panose="02040503050406030204" pitchFamily="18" charset="0"/>
-                                  </a:rPr>
-                                  <m:t> ~ 1</m:t>
-                                </m:r>
-                                <m:r>
-                                  <a:rPr lang="en-US" sz="1400" b="0" i="1" smtClean="0">
-                                    <a:latin typeface="Cambria Math" panose="02040503050406030204" pitchFamily="18" charset="0"/>
-                                    <a:ea typeface="Cambria Math" panose="02040503050406030204" pitchFamily="18" charset="0"/>
-                                  </a:rPr>
-                                  <m:t>𝑀</m:t>
-                                </m:r>
-                              </m:oMath>
-                            </m:oMathPara>
-                          </a14:m>
-                          <a:endParaRPr lang="en-US" sz="1400" dirty="0"/>
-                        </a:p>
-                      </a:txBody>
-                      <a:tcPr/>
-                    </a:tc>
-                    <a:extLst>
-                      <a:ext uri="{0D108BD9-81ED-4DB2-BD59-A6C34878D82A}">
-                        <a16:rowId xmlns:a16="http://schemas.microsoft.com/office/drawing/2014/main" val="2998986514"/>
-                      </a:ext>
-                    </a:extLst>
-                  </a:tr>
-                </a:tbl>
-              </a:graphicData>
-            </a:graphic>
-          </p:graphicFrame>
-        </mc:Choice>
-        <mc:Fallback>
-          <p:graphicFrame>
-            <p:nvGraphicFramePr>
-              <p:cNvPr id="8" name="Table 7">
-                <a:extLst>
-                  <a:ext uri="{FF2B5EF4-FFF2-40B4-BE49-F238E27FC236}">
-                    <a16:creationId xmlns:a16="http://schemas.microsoft.com/office/drawing/2014/main" id="{90B3DFDF-8A52-7348-983B-61F0BAAE3966}"/>
-                  </a:ext>
-                </a:extLst>
-              </p:cNvPr>
-              <p:cNvGraphicFramePr>
-                <a:graphicFrameLocks noGrp="1"/>
-              </p:cNvGraphicFramePr>
-              <p:nvPr>
-                <p:extLst>
-                  <p:ext uri="{D42A27DB-BD31-4B8C-83A1-F6EECF244321}">
-                    <p14:modId xmlns:p14="http://schemas.microsoft.com/office/powerpoint/2010/main" val="2604775306"/>
-                  </p:ext>
-                </p:extLst>
-              </p:nvPr>
-            </p:nvGraphicFramePr>
-            <p:xfrm>
-              <a:off x="1639229" y="4024914"/>
-              <a:ext cx="8062332" cy="2173638"/>
-            </p:xfrm>
-            <a:graphic>
-              <a:graphicData uri="http://schemas.openxmlformats.org/drawingml/2006/table">
-                <a:tbl>
-                  <a:tblPr firstRow="1" bandRow="1">
-                    <a:tableStyleId>{5940675A-B579-460E-94D1-54222C63F5DA}</a:tableStyleId>
-                  </a:tblPr>
-                  <a:tblGrid>
-                    <a:gridCol w="2687444">
-                      <a:extLst>
-                        <a:ext uri="{9D8B030D-6E8A-4147-A177-3AD203B41FA5}">
-                          <a16:colId xmlns:a16="http://schemas.microsoft.com/office/drawing/2014/main" val="2780235502"/>
-                        </a:ext>
-                      </a:extLst>
-                    </a:gridCol>
-                    <a:gridCol w="2687444">
-                      <a:extLst>
-                        <a:ext uri="{9D8B030D-6E8A-4147-A177-3AD203B41FA5}">
-                          <a16:colId xmlns:a16="http://schemas.microsoft.com/office/drawing/2014/main" val="4124010374"/>
-                        </a:ext>
-                      </a:extLst>
-                    </a:gridCol>
-                    <a:gridCol w="2687444">
-                      <a:extLst>
-                        <a:ext uri="{9D8B030D-6E8A-4147-A177-3AD203B41FA5}">
-                          <a16:colId xmlns:a16="http://schemas.microsoft.com/office/drawing/2014/main" val="3769471840"/>
-                        </a:ext>
-                      </a:extLst>
-                    </a:gridCol>
-                  </a:tblGrid>
-                  <a:tr h="309579">
-                    <a:tc>
-                      <a:txBody>
-                        <a:bodyPr/>
-                        <a:lstStyle/>
-                        <a:p>
-                          <a:pPr algn="ctr"/>
-                          <a:r>
-                            <a:rPr lang="en-US" sz="1400" b="1" dirty="0"/>
-                            <a:t>Functions</a:t>
-                          </a:r>
-                        </a:p>
-                      </a:txBody>
-                      <a:tcPr/>
-                    </a:tc>
-                    <a:tc>
-                      <a:txBody>
-                        <a:bodyPr/>
-                        <a:lstStyle/>
-                        <a:p>
-                          <a:pPr algn="ctr"/>
-                          <a:r>
-                            <a:rPr lang="en-US" sz="1400" b="1"/>
-                            <a:t>Variables</a:t>
-                          </a:r>
-                          <a:endParaRPr lang="en-US" sz="1400" b="1" dirty="0"/>
-                        </a:p>
-                      </a:txBody>
-                      <a:tcPr/>
-                    </a:tc>
-                    <a:tc>
-                      <a:txBody>
-                        <a:bodyPr/>
-                        <a:lstStyle/>
-                        <a:p>
-                          <a:pPr algn="ctr"/>
-                          <a:r>
-                            <a:rPr lang="en-US" sz="1400" b="1" dirty="0"/>
-                            <a:t>Size</a:t>
-                          </a:r>
-                        </a:p>
-                      </a:txBody>
-                      <a:tcPr/>
-                    </a:tc>
-                    <a:extLst>
-                      <a:ext uri="{0D108BD9-81ED-4DB2-BD59-A6C34878D82A}">
-                        <a16:rowId xmlns:a16="http://schemas.microsoft.com/office/drawing/2014/main" val="2412432484"/>
-                      </a:ext>
-                    </a:extLst>
-                  </a:tr>
-                  <a:tr h="518160">
-                    <a:tc>
-                      <a:txBody>
-                        <a:bodyPr/>
-                        <a:lstStyle/>
-                        <a:p>
-                          <a:pPr algn="ctr"/>
-                          <a:r>
-                            <a:rPr lang="en-US" sz="1400" dirty="0"/>
-                            <a:t>Preproc_mod2()</a:t>
-                          </a:r>
-                        </a:p>
-                      </a:txBody>
-                      <a:tcPr/>
-                    </a:tc>
-                    <a:tc>
-                      <a:txBody>
-                        <a:bodyPr/>
-                        <a:lstStyle/>
-                        <a:p>
-                          <a:pPr algn="ctr"/>
-                          <a:r>
-                            <a:rPr lang="en-US" sz="1400" dirty="0"/>
-                            <a:t>Rx1,rx2, rK1,rK2, sw1, sw2, </a:t>
-                          </a:r>
-                          <a:r>
-                            <a:rPr lang="en-US" sz="1400" dirty="0" err="1"/>
-                            <a:t>rw_global</a:t>
-                          </a:r>
-                          <a:endParaRPr lang="en-US" sz="1400" dirty="0"/>
-                        </a:p>
-                      </a:txBody>
-                      <a:tcPr/>
-                    </a:tc>
-                    <a:tc>
-                      <a:txBody>
-                        <a:bodyPr/>
-                        <a:lstStyle/>
-                        <a:p>
-                          <a:pPr algn="ctr"/>
-                          <a:r>
-                            <a:rPr lang="en-US" sz="1400" dirty="0"/>
-                            <a:t>n+n+2n+2n+n+n+n</a:t>
-                          </a:r>
-                        </a:p>
-                        <a:p>
-                          <a:pPr algn="ctr"/>
-                          <a:r>
-                            <a:rPr lang="en-US" sz="1400" dirty="0"/>
-                            <a:t>= 9n</a:t>
-                          </a:r>
-                        </a:p>
-                      </a:txBody>
-                      <a:tcPr/>
-                    </a:tc>
-                    <a:extLst>
-                      <a:ext uri="{0D108BD9-81ED-4DB2-BD59-A6C34878D82A}">
-                        <a16:rowId xmlns:a16="http://schemas.microsoft.com/office/drawing/2014/main" val="4238301737"/>
-                      </a:ext>
-                    </a:extLst>
-                  </a:tr>
-                  <a:tr h="518160">
-                    <a:tc>
-                      <a:txBody>
-                        <a:bodyPr/>
-                        <a:lstStyle/>
-                        <a:p>
-                          <a:pPr algn="ctr"/>
-                          <a:r>
-                            <a:rPr lang="en-US" sz="1400" dirty="0"/>
-                            <a:t>Preproc_mod3()</a:t>
-                          </a:r>
-                        </a:p>
-                      </a:txBody>
-                      <a:tcPr/>
-                    </a:tc>
-                    <a:tc>
-                      <a:txBody>
-                        <a:bodyPr/>
-                        <a:lstStyle/>
-                        <a:p>
-                          <a:pPr algn="ctr"/>
-                          <a:r>
-                            <a:rPr lang="en-US" sz="1400" dirty="0" err="1"/>
-                            <a:t>Not_rw_global</a:t>
-                          </a:r>
-                          <a:r>
-                            <a:rPr lang="en-US" sz="1400" dirty="0"/>
-                            <a:t>, r0z_global, r0z1, r0z2, r1z_global, r1z1, r1z2</a:t>
-                          </a:r>
-                        </a:p>
-                      </a:txBody>
-                      <a:tcPr/>
-                    </a:tc>
-                    <a:tc>
-                      <a:txBody>
-                        <a:bodyPr/>
-                        <a:lstStyle/>
-                        <a:p>
-                          <a:pPr algn="ctr"/>
-                          <a:r>
-                            <a:rPr lang="en-US" sz="1400" dirty="0"/>
-                            <a:t>n+2n+2n+2n+2n+2n+2n = 13n</a:t>
-                          </a:r>
-                        </a:p>
-                      </a:txBody>
-                      <a:tcPr/>
-                    </a:tc>
-                    <a:extLst>
-                      <a:ext uri="{0D108BD9-81ED-4DB2-BD59-A6C34878D82A}">
-                        <a16:rowId xmlns:a16="http://schemas.microsoft.com/office/drawing/2014/main" val="266417292"/>
-                      </a:ext>
-                    </a:extLst>
-                  </a:tr>
-                  <a:tr h="518160">
-                    <a:tc>
-                      <a:txBody>
-                        <a:bodyPr/>
-                        <a:lstStyle/>
-                        <a:p>
-                          <a:pPr algn="ctr"/>
-                          <a:r>
-                            <a:rPr lang="en-US" sz="1400" dirty="0" err="1"/>
-                            <a:t>Reformat_Rmat</a:t>
-                          </a:r>
-                          <a:r>
-                            <a:rPr lang="en-US" sz="1400" dirty="0"/>
-                            <a:t>()</a:t>
-                          </a:r>
-                        </a:p>
-                        <a:p>
-                          <a:pPr algn="ctr"/>
-                          <a:r>
-                            <a:rPr lang="en-US" sz="1400" dirty="0" err="1"/>
-                            <a:t>Create_Lookup</a:t>
-                          </a:r>
-                          <a:r>
-                            <a:rPr lang="en-US" sz="1400" dirty="0"/>
-                            <a:t> table()</a:t>
-                          </a:r>
-                        </a:p>
-                      </a:txBody>
-                      <a:tcPr/>
-                    </a:tc>
-                    <a:tc>
-                      <a:txBody>
-                        <a:bodyPr/>
-                        <a:lstStyle/>
-                        <a:p>
-                          <a:pPr algn="ctr"/>
-                          <a:r>
-                            <a:rPr lang="en-US" sz="1400" dirty="0"/>
-                            <a:t>Rmat16, </a:t>
-                          </a:r>
-                          <a:r>
-                            <a:rPr lang="en-US" sz="1400" dirty="0" err="1"/>
-                            <a:t>lookup_table</a:t>
-                          </a:r>
-                          <a:endParaRPr lang="en-US" sz="1400" dirty="0"/>
-                        </a:p>
-                      </a:txBody>
-                      <a:tcPr/>
-                    </a:tc>
-                    <a:tc>
-                      <a:txBody>
-                        <a:bodyPr/>
-                        <a:lstStyle/>
-                        <a:p>
-                          <a:endParaRPr lang="en-US"/>
-                        </a:p>
-                      </a:txBody>
-                      <a:tcPr>
-                        <a:blipFill>
-                          <a:blip r:embed="rId2"/>
-                          <a:stretch>
-                            <a:fillRect l="-200000" t="-263415" r="-943" b="-70732"/>
-                          </a:stretch>
-                        </a:blipFill>
-                      </a:tcPr>
-                    </a:tc>
-                    <a:extLst>
-                      <a:ext uri="{0D108BD9-81ED-4DB2-BD59-A6C34878D82A}">
-                        <a16:rowId xmlns:a16="http://schemas.microsoft.com/office/drawing/2014/main" val="100994603"/>
-                      </a:ext>
-                    </a:extLst>
-                  </a:tr>
-                  <a:tr h="309579">
-                    <a:tc>
-                      <a:txBody>
-                        <a:bodyPr/>
-                        <a:lstStyle/>
-                        <a:p>
-                          <a:pPr algn="ctr"/>
-                          <a:r>
-                            <a:rPr lang="en-US" sz="1400" dirty="0"/>
-                            <a:t>Total</a:t>
-                          </a:r>
-                        </a:p>
-                      </a:txBody>
-                      <a:tcPr/>
-                    </a:tc>
-                    <a:tc>
-                      <a:txBody>
-                        <a:bodyPr/>
-                        <a:lstStyle/>
-                        <a:p>
-                          <a:pPr algn="ctr"/>
-                          <a:endParaRPr lang="en-US" sz="1400" dirty="0"/>
-                        </a:p>
-                      </a:txBody>
-                      <a:tcPr/>
-                    </a:tc>
-                    <a:tc>
-                      <a:txBody>
-                        <a:bodyPr/>
-                        <a:lstStyle/>
-                        <a:p>
-                          <a:endParaRPr lang="en-US"/>
-                        </a:p>
-                      </a:txBody>
-                      <a:tcPr>
-                        <a:blipFill>
-                          <a:blip r:embed="rId2"/>
-                          <a:stretch>
-                            <a:fillRect l="-200000" t="-596000" r="-943" b="-16000"/>
-                          </a:stretch>
-                        </a:blipFill>
-                      </a:tcPr>
-                    </a:tc>
-                    <a:extLst>
-                      <a:ext uri="{0D108BD9-81ED-4DB2-BD59-A6C34878D82A}">
-                        <a16:rowId xmlns:a16="http://schemas.microsoft.com/office/drawing/2014/main" val="2998986514"/>
-                      </a:ext>
-                    </a:extLst>
-                  </a:tr>
-                </a:tbl>
-              </a:graphicData>
-            </a:graphic>
-          </p:graphicFrame>
-        </mc:Fallback>
-      </mc:AlternateContent>
+              </a:rPr>
+              <a:t>¹Boneh, Dan, et al. "Exploring crypto dark matter." </a:t>
+            </a:r>
+            <a:r>
+              <a:rPr lang="en-US" i="1" dirty="0">
+                <a:solidFill>
+                  <a:schemeClr val="tx1"/>
+                </a:solidFill>
+              </a:rPr>
+              <a:t>Theory of Cryptography Conference</a:t>
+            </a:r>
+            <a:r>
+              <a:rPr lang="en-US" dirty="0">
+                <a:solidFill>
+                  <a:schemeClr val="tx1"/>
+                </a:solidFill>
+              </a:rPr>
+              <a:t>. Springer, Cham, 2018.</a:t>
+            </a:r>
+          </a:p>
+        </p:txBody>
+      </p:sp>
     </p:spTree>
     <p:extLst>
       <p:ext uri="{BB962C8B-B14F-4D97-AF65-F5344CB8AC3E}">
-        <p14:creationId xmlns:p14="http://schemas.microsoft.com/office/powerpoint/2010/main" val="1574301204"/>
+        <p14:creationId xmlns:p14="http://schemas.microsoft.com/office/powerpoint/2010/main" val="1393346549"/>
       </p:ext>
     </p:extLst>
   </p:cSld>
@@ -5874,7 +4128,7 @@
           <p:cNvPr id="2" name="Title 1">
             <a:extLst>
               <a:ext uri="{FF2B5EF4-FFF2-40B4-BE49-F238E27FC236}">
-                <a16:creationId xmlns:a16="http://schemas.microsoft.com/office/drawing/2014/main" id="{95B0E3E7-3C87-5949-B227-4D3CD6EBD3CA}"/>
+                <a16:creationId xmlns:a16="http://schemas.microsoft.com/office/drawing/2014/main" id="{1EE2C597-1348-DE4E-A403-167D73082DAA}"/>
               </a:ext>
             </a:extLst>
           </p:cNvPr>
@@ -5885,25 +4139,14 @@
             <p:ph type="title"/>
           </p:nvPr>
         </p:nvSpPr>
-        <p:spPr>
-          <a:xfrm>
-            <a:off x="838200" y="365126"/>
-            <a:ext cx="10515600" cy="471216"/>
-          </a:xfrm>
-        </p:spPr>
-        <p:txBody>
-          <a:bodyPr>
-            <a:noAutofit/>
-          </a:bodyPr>
-          <a:lstStyle/>
-          <a:p>
-            <a:r>
-              <a:rPr lang="en-US" sz="3600" dirty="0" err="1"/>
-              <a:t>oPRF</a:t>
-            </a:r>
-            <a:r>
-              <a:rPr lang="en-US" sz="3600" dirty="0"/>
-              <a:t> (packed)</a:t>
+        <p:spPr/>
+        <p:txBody>
+          <a:bodyPr/>
+          <a:lstStyle/>
+          <a:p>
+            <a:r>
+              <a:rPr lang="en-US" dirty="0"/>
+              <a:t>What did we do?</a:t>
             </a:r>
           </a:p>
         </p:txBody>
@@ -5913,7 +4156,7 @@
           <p:cNvPr id="3" name="Content Placeholder 2">
             <a:extLst>
               <a:ext uri="{FF2B5EF4-FFF2-40B4-BE49-F238E27FC236}">
-                <a16:creationId xmlns:a16="http://schemas.microsoft.com/office/drawing/2014/main" id="{37F822B8-ACFD-C84C-BA8C-76E2E72242B1}"/>
+                <a16:creationId xmlns:a16="http://schemas.microsoft.com/office/drawing/2014/main" id="{1A92062A-3B06-814C-8D50-8DE8CD9F9300}"/>
               </a:ext>
             </a:extLst>
           </p:cNvPr>
@@ -5924,1534 +4167,208 @@
             <p:ph idx="1"/>
           </p:nvPr>
         </p:nvSpPr>
-        <p:spPr>
-          <a:xfrm>
-            <a:off x="838200" y="1067343"/>
-            <a:ext cx="3008971" cy="1441682"/>
-          </a:xfrm>
-        </p:spPr>
-        <p:txBody>
-          <a:bodyPr>
-            <a:normAutofit/>
-          </a:bodyPr>
-          <a:lstStyle/>
-          <a:p>
-            <a:r>
-              <a:rPr lang="en-US" sz="2000" dirty="0"/>
-              <a:t>Files: </a:t>
-            </a:r>
-          </a:p>
-          <a:p>
-            <a:pPr lvl="1"/>
-            <a:r>
-              <a:rPr lang="en-US" sz="2000" dirty="0" err="1"/>
-              <a:t>OPRF.cpp</a:t>
-            </a:r>
-            <a:endParaRPr lang="en-US" sz="2000" dirty="0"/>
-          </a:p>
-          <a:p>
-            <a:pPr lvl="1"/>
-            <a:r>
-              <a:rPr lang="en-US" sz="2000" dirty="0"/>
-              <a:t>PackedMod2.hpp</a:t>
-            </a:r>
-          </a:p>
-          <a:p>
-            <a:pPr lvl="1"/>
-            <a:r>
-              <a:rPr lang="en-US" sz="2000" dirty="0"/>
-              <a:t>PackedMod3.hpp</a:t>
-            </a:r>
-          </a:p>
-          <a:p>
-            <a:pPr lvl="1"/>
-            <a:endParaRPr lang="en-US" dirty="0"/>
-          </a:p>
-          <a:p>
-            <a:pPr lvl="1"/>
-            <a:endParaRPr lang="en-US" dirty="0"/>
-          </a:p>
-          <a:p>
-            <a:endParaRPr lang="en-US" dirty="0"/>
-          </a:p>
-        </p:txBody>
-      </p:sp>
-      <mc:AlternateContent xmlns:mc="http://schemas.openxmlformats.org/markup-compatibility/2006">
-        <mc:Choice xmlns:a14="http://schemas.microsoft.com/office/drawing/2010/main" Requires="a14">
-          <p:graphicFrame>
-            <p:nvGraphicFramePr>
-              <p:cNvPr id="5" name="Table 4">
-                <a:extLst>
-                  <a:ext uri="{FF2B5EF4-FFF2-40B4-BE49-F238E27FC236}">
-                    <a16:creationId xmlns:a16="http://schemas.microsoft.com/office/drawing/2014/main" id="{DAEA6F7A-0652-FC4D-9044-917FEC562FB4}"/>
-                  </a:ext>
-                </a:extLst>
-              </p:cNvPr>
-              <p:cNvGraphicFramePr>
-                <a:graphicFrameLocks noGrp="1"/>
-              </p:cNvGraphicFramePr>
-              <p:nvPr>
-                <p:extLst>
-                  <p:ext uri="{D42A27DB-BD31-4B8C-83A1-F6EECF244321}">
-                    <p14:modId xmlns:p14="http://schemas.microsoft.com/office/powerpoint/2010/main" val="3270134445"/>
-                  </p:ext>
-                </p:extLst>
-              </p:nvPr>
-            </p:nvGraphicFramePr>
-            <p:xfrm>
-              <a:off x="4549698" y="836342"/>
-              <a:ext cx="6804102" cy="1137318"/>
-            </p:xfrm>
-            <a:graphic>
-              <a:graphicData uri="http://schemas.openxmlformats.org/drawingml/2006/table">
-                <a:tbl>
-                  <a:tblPr firstRow="1" bandRow="1">
-                    <a:tableStyleId>{5940675A-B579-460E-94D1-54222C63F5DA}</a:tableStyleId>
-                  </a:tblPr>
-                  <a:tblGrid>
-                    <a:gridCol w="2268034">
-                      <a:extLst>
-                        <a:ext uri="{9D8B030D-6E8A-4147-A177-3AD203B41FA5}">
-                          <a16:colId xmlns:a16="http://schemas.microsoft.com/office/drawing/2014/main" val="2780235502"/>
-                        </a:ext>
-                      </a:extLst>
-                    </a:gridCol>
-                    <a:gridCol w="2268034">
-                      <a:extLst>
-                        <a:ext uri="{9D8B030D-6E8A-4147-A177-3AD203B41FA5}">
-                          <a16:colId xmlns:a16="http://schemas.microsoft.com/office/drawing/2014/main" val="4124010374"/>
-                        </a:ext>
-                      </a:extLst>
-                    </a:gridCol>
-                    <a:gridCol w="2268034">
-                      <a:extLst>
-                        <a:ext uri="{9D8B030D-6E8A-4147-A177-3AD203B41FA5}">
-                          <a16:colId xmlns:a16="http://schemas.microsoft.com/office/drawing/2014/main" val="3769471840"/>
-                        </a:ext>
-                      </a:extLst>
-                    </a:gridCol>
-                  </a:tblGrid>
-                  <a:tr h="309579">
-                    <a:tc>
-                      <a:txBody>
-                        <a:bodyPr/>
-                        <a:lstStyle/>
-                        <a:p>
-                          <a:pPr algn="ctr"/>
-                          <a:r>
-                            <a:rPr lang="en-US" sz="1400" b="1" dirty="0"/>
-                            <a:t>Functions</a:t>
-                          </a:r>
-                        </a:p>
-                      </a:txBody>
-                      <a:tcPr/>
-                    </a:tc>
-                    <a:tc>
-                      <a:txBody>
-                        <a:bodyPr/>
-                        <a:lstStyle/>
-                        <a:p>
-                          <a:pPr algn="ctr"/>
-                          <a:r>
-                            <a:rPr lang="en-US" sz="1400" b="1"/>
-                            <a:t>Variables</a:t>
-                          </a:r>
-                          <a:endParaRPr lang="en-US" sz="1400" b="1" dirty="0"/>
-                        </a:p>
-                      </a:txBody>
-                      <a:tcPr/>
-                    </a:tc>
-                    <a:tc>
-                      <a:txBody>
-                        <a:bodyPr/>
-                        <a:lstStyle/>
-                        <a:p>
-                          <a:pPr algn="ctr"/>
-                          <a:r>
-                            <a:rPr lang="en-US" sz="1400" b="1" dirty="0"/>
-                            <a:t>Size</a:t>
-                          </a:r>
-                        </a:p>
-                      </a:txBody>
-                      <a:tcPr/>
-                    </a:tc>
-                    <a:extLst>
-                      <a:ext uri="{0D108BD9-81ED-4DB2-BD59-A6C34878D82A}">
-                        <a16:rowId xmlns:a16="http://schemas.microsoft.com/office/drawing/2014/main" val="2412432484"/>
-                      </a:ext>
-                    </a:extLst>
-                  </a:tr>
-                  <a:tr h="341956">
-                    <a:tc>
-                      <a:txBody>
-                        <a:bodyPr/>
-                        <a:lstStyle/>
-                        <a:p>
-                          <a:pPr algn="ctr"/>
-                          <a:r>
-                            <a:rPr lang="en-US" sz="1400" dirty="0" err="1"/>
-                            <a:t>Preproc_TrustedParty</a:t>
-                          </a:r>
-                          <a:r>
-                            <a:rPr lang="en-US" sz="1400" dirty="0"/>
-                            <a:t>()</a:t>
-                          </a:r>
-                        </a:p>
-                      </a:txBody>
-                      <a:tcPr/>
-                    </a:tc>
-                    <a:tc>
-                      <a:txBody>
-                        <a:bodyPr/>
-                        <a:lstStyle/>
-                        <a:p>
-                          <a:pPr algn="ctr"/>
-                          <a:r>
-                            <a:rPr lang="en-US" sz="1400" dirty="0" err="1"/>
-                            <a:t>rK</a:t>
-                          </a:r>
-                          <a:r>
-                            <a:rPr lang="en-US" sz="1400" dirty="0"/>
-                            <a:t>, </a:t>
-                          </a:r>
-                          <a:r>
-                            <a:rPr lang="en-US" sz="1400" dirty="0" err="1"/>
-                            <a:t>rq</a:t>
-                          </a:r>
-                          <a:r>
-                            <a:rPr lang="en-US" sz="1400" dirty="0"/>
-                            <a:t>, </a:t>
-                          </a:r>
-                          <a:r>
-                            <a:rPr lang="en-US" sz="1400" dirty="0" err="1"/>
-                            <a:t>rx</a:t>
-                          </a:r>
-                          <a:r>
-                            <a:rPr lang="en-US" sz="1400" dirty="0"/>
-                            <a:t>, v, </a:t>
-                          </a:r>
-                          <a:r>
-                            <a:rPr lang="en-US" sz="1400" dirty="0" err="1"/>
-                            <a:t>rw</a:t>
-                          </a:r>
-                          <a:r>
-                            <a:rPr lang="en-US" sz="1400" dirty="0"/>
-                            <a:t>, q, rw1, rw2, </a:t>
-                          </a:r>
-                          <a:r>
-                            <a:rPr lang="en-US" sz="1400" dirty="0" err="1"/>
-                            <a:t>p_server</a:t>
-                          </a:r>
-                          <a:r>
-                            <a:rPr lang="en-US" sz="1400" dirty="0"/>
-                            <a:t>, </a:t>
-                          </a:r>
-                          <a:r>
-                            <a:rPr lang="en-US" sz="1400" dirty="0" err="1"/>
-                            <a:t>p_client</a:t>
-                          </a:r>
-                          <a:endParaRPr lang="en-US" sz="1400" dirty="0"/>
-                        </a:p>
-                      </a:txBody>
-                      <a:tcPr/>
-                    </a:tc>
-                    <a:tc>
-                      <a:txBody>
-                        <a:bodyPr/>
-                        <a:lstStyle/>
-                        <a:p>
-                          <a:pPr algn="ctr"/>
-                          <a14:m>
-                            <m:oMathPara xmlns:m="http://schemas.openxmlformats.org/officeDocument/2006/math">
-                              <m:oMathParaPr>
-                                <m:jc m:val="centerGroup"/>
-                              </m:oMathParaPr>
-                              <m:oMath xmlns:m="http://schemas.openxmlformats.org/officeDocument/2006/math">
-                                <m:r>
-                                  <a:rPr lang="en-US" sz="1400" b="0" i="1" smtClean="0">
-                                    <a:latin typeface="Cambria Math" panose="02040503050406030204" pitchFamily="18" charset="0"/>
-                                  </a:rPr>
-                                  <m:t>2</m:t>
-                                </m:r>
-                                <m:r>
-                                  <a:rPr lang="en-US" sz="1400" b="0" i="1" smtClean="0">
-                                    <a:latin typeface="Cambria Math" panose="02040503050406030204" pitchFamily="18" charset="0"/>
-                                  </a:rPr>
-                                  <m:t>𝑛</m:t>
-                                </m:r>
-                                <m:r>
-                                  <a:rPr lang="en-US" sz="1400" b="0" i="1" smtClean="0">
-                                    <a:latin typeface="Cambria Math" panose="02040503050406030204" pitchFamily="18" charset="0"/>
-                                  </a:rPr>
-                                  <m:t>+7</m:t>
-                                </m:r>
-                                <m:r>
-                                  <a:rPr lang="en-US" sz="1400" b="0" i="1" smtClean="0">
-                                    <a:latin typeface="Cambria Math" panose="02040503050406030204" pitchFamily="18" charset="0"/>
-                                  </a:rPr>
-                                  <m:t>𝑛</m:t>
-                                </m:r>
-                                <m:r>
-                                  <a:rPr lang="en-US" sz="1400" b="0" i="1" smtClean="0">
-                                    <a:latin typeface="Cambria Math" panose="02040503050406030204" pitchFamily="18" charset="0"/>
-                                  </a:rPr>
-                                  <m:t>+4</m:t>
-                                </m:r>
-                                <m:r>
-                                  <a:rPr lang="en-US" sz="1400" b="0" i="1" smtClean="0">
-                                    <a:latin typeface="Cambria Math" panose="02040503050406030204" pitchFamily="18" charset="0"/>
-                                  </a:rPr>
-                                  <m:t>𝑛</m:t>
-                                </m:r>
-                                <m:r>
-                                  <a:rPr lang="en-US" sz="1400" b="0" i="1" smtClean="0">
-                                    <a:latin typeface="Cambria Math" panose="02040503050406030204" pitchFamily="18" charset="0"/>
-                                  </a:rPr>
-                                  <m:t>=13</m:t>
-                                </m:r>
-                                <m:r>
-                                  <a:rPr lang="en-US" sz="1400" b="0" i="1" smtClean="0">
-                                    <a:latin typeface="Cambria Math" panose="02040503050406030204" pitchFamily="18" charset="0"/>
-                                  </a:rPr>
-                                  <m:t>𝑛</m:t>
-                                </m:r>
-                              </m:oMath>
-                            </m:oMathPara>
-                          </a14:m>
-                          <a:endParaRPr lang="en-US" sz="1400" dirty="0"/>
-                        </a:p>
-                      </a:txBody>
-                      <a:tcPr/>
-                    </a:tc>
-                    <a:extLst>
-                      <a:ext uri="{0D108BD9-81ED-4DB2-BD59-A6C34878D82A}">
-                        <a16:rowId xmlns:a16="http://schemas.microsoft.com/office/drawing/2014/main" val="266417292"/>
-                      </a:ext>
-                    </a:extLst>
-                  </a:tr>
-                  <a:tr h="309579">
-                    <a:tc>
-                      <a:txBody>
-                        <a:bodyPr/>
-                        <a:lstStyle/>
-                        <a:p>
-                          <a:pPr algn="ctr"/>
-                          <a:r>
-                            <a:rPr lang="en-US" sz="1400" dirty="0"/>
-                            <a:t>Total</a:t>
-                          </a:r>
-                        </a:p>
-                      </a:txBody>
-                      <a:tcPr/>
-                    </a:tc>
-                    <a:tc>
-                      <a:txBody>
-                        <a:bodyPr/>
-                        <a:lstStyle/>
-                        <a:p>
-                          <a:pPr algn="ctr"/>
-                          <a:endParaRPr lang="en-US" sz="1400" dirty="0"/>
-                        </a:p>
-                      </a:txBody>
-                      <a:tcPr/>
-                    </a:tc>
-                    <a:tc>
-                      <a:txBody>
-                        <a:bodyPr/>
-                        <a:lstStyle/>
-                        <a:p>
-                          <a:pPr algn="ctr"/>
-                          <a14:m>
-                            <m:oMathPara xmlns:m="http://schemas.openxmlformats.org/officeDocument/2006/math">
-                              <m:oMathParaPr>
-                                <m:jc m:val="centerGroup"/>
-                              </m:oMathParaPr>
-                              <m:oMath xmlns:m="http://schemas.openxmlformats.org/officeDocument/2006/math">
-                                <m:r>
-                                  <a:rPr lang="en-US" sz="1400" b="0" i="1" smtClean="0">
-                                    <a:latin typeface="Cambria Math" panose="02040503050406030204" pitchFamily="18" charset="0"/>
-                                  </a:rPr>
-                                  <m:t>13</m:t>
-                                </m:r>
-                                <m:r>
-                                  <a:rPr lang="en-US" sz="1400" b="0" i="1" smtClean="0">
-                                    <a:latin typeface="Cambria Math" panose="02040503050406030204" pitchFamily="18" charset="0"/>
-                                  </a:rPr>
-                                  <m:t>𝑛</m:t>
-                                </m:r>
-                                <m:r>
-                                  <a:rPr lang="en-US" sz="1400" b="0" i="1" smtClean="0">
-                                    <a:latin typeface="Cambria Math" panose="02040503050406030204" pitchFamily="18" charset="0"/>
-                                  </a:rPr>
-                                  <m:t>=3328 ~ 3</m:t>
-                                </m:r>
-                                <m:r>
-                                  <a:rPr lang="en-US" sz="1400" b="0" i="1" smtClean="0">
-                                    <a:latin typeface="Cambria Math" panose="02040503050406030204" pitchFamily="18" charset="0"/>
-                                    <a:ea typeface="Cambria Math" panose="02040503050406030204" pitchFamily="18" charset="0"/>
-                                  </a:rPr>
-                                  <m:t>𝐾</m:t>
-                                </m:r>
-                              </m:oMath>
-                            </m:oMathPara>
-                          </a14:m>
-                          <a:endParaRPr lang="en-US" sz="1400" dirty="0"/>
-                        </a:p>
-                      </a:txBody>
-                      <a:tcPr/>
-                    </a:tc>
-                    <a:extLst>
-                      <a:ext uri="{0D108BD9-81ED-4DB2-BD59-A6C34878D82A}">
-                        <a16:rowId xmlns:a16="http://schemas.microsoft.com/office/drawing/2014/main" val="2998986514"/>
-                      </a:ext>
-                    </a:extLst>
-                  </a:tr>
-                </a:tbl>
-              </a:graphicData>
-            </a:graphic>
-          </p:graphicFrame>
-        </mc:Choice>
-        <mc:Fallback>
-          <p:graphicFrame>
-            <p:nvGraphicFramePr>
-              <p:cNvPr id="5" name="Table 4">
-                <a:extLst>
-                  <a:ext uri="{FF2B5EF4-FFF2-40B4-BE49-F238E27FC236}">
-                    <a16:creationId xmlns:a16="http://schemas.microsoft.com/office/drawing/2014/main" id="{DAEA6F7A-0652-FC4D-9044-917FEC562FB4}"/>
-                  </a:ext>
-                </a:extLst>
-              </p:cNvPr>
-              <p:cNvGraphicFramePr>
-                <a:graphicFrameLocks noGrp="1"/>
-              </p:cNvGraphicFramePr>
-              <p:nvPr>
-                <p:extLst>
-                  <p:ext uri="{D42A27DB-BD31-4B8C-83A1-F6EECF244321}">
-                    <p14:modId xmlns:p14="http://schemas.microsoft.com/office/powerpoint/2010/main" val="3270134445"/>
-                  </p:ext>
-                </p:extLst>
-              </p:nvPr>
-            </p:nvGraphicFramePr>
-            <p:xfrm>
-              <a:off x="4549698" y="836342"/>
-              <a:ext cx="6804102" cy="1137318"/>
-            </p:xfrm>
-            <a:graphic>
-              <a:graphicData uri="http://schemas.openxmlformats.org/drawingml/2006/table">
-                <a:tbl>
-                  <a:tblPr firstRow="1" bandRow="1">
-                    <a:tableStyleId>{5940675A-B579-460E-94D1-54222C63F5DA}</a:tableStyleId>
-                  </a:tblPr>
-                  <a:tblGrid>
-                    <a:gridCol w="2268034">
-                      <a:extLst>
-                        <a:ext uri="{9D8B030D-6E8A-4147-A177-3AD203B41FA5}">
-                          <a16:colId xmlns:a16="http://schemas.microsoft.com/office/drawing/2014/main" val="2780235502"/>
-                        </a:ext>
-                      </a:extLst>
-                    </a:gridCol>
-                    <a:gridCol w="2268034">
-                      <a:extLst>
-                        <a:ext uri="{9D8B030D-6E8A-4147-A177-3AD203B41FA5}">
-                          <a16:colId xmlns:a16="http://schemas.microsoft.com/office/drawing/2014/main" val="4124010374"/>
-                        </a:ext>
-                      </a:extLst>
-                    </a:gridCol>
-                    <a:gridCol w="2268034">
-                      <a:extLst>
-                        <a:ext uri="{9D8B030D-6E8A-4147-A177-3AD203B41FA5}">
-                          <a16:colId xmlns:a16="http://schemas.microsoft.com/office/drawing/2014/main" val="3769471840"/>
-                        </a:ext>
-                      </a:extLst>
-                    </a:gridCol>
-                  </a:tblGrid>
-                  <a:tr h="309579">
-                    <a:tc>
-                      <a:txBody>
-                        <a:bodyPr/>
-                        <a:lstStyle/>
-                        <a:p>
-                          <a:pPr algn="ctr"/>
-                          <a:r>
-                            <a:rPr lang="en-US" sz="1400" b="1" dirty="0"/>
-                            <a:t>Functions</a:t>
-                          </a:r>
-                        </a:p>
-                      </a:txBody>
-                      <a:tcPr/>
-                    </a:tc>
-                    <a:tc>
-                      <a:txBody>
-                        <a:bodyPr/>
-                        <a:lstStyle/>
-                        <a:p>
-                          <a:pPr algn="ctr"/>
-                          <a:r>
-                            <a:rPr lang="en-US" sz="1400" b="1"/>
-                            <a:t>Variables</a:t>
-                          </a:r>
-                          <a:endParaRPr lang="en-US" sz="1400" b="1" dirty="0"/>
-                        </a:p>
-                      </a:txBody>
-                      <a:tcPr/>
-                    </a:tc>
-                    <a:tc>
-                      <a:txBody>
-                        <a:bodyPr/>
-                        <a:lstStyle/>
-                        <a:p>
-                          <a:pPr algn="ctr"/>
-                          <a:r>
-                            <a:rPr lang="en-US" sz="1400" b="1" dirty="0"/>
-                            <a:t>Size</a:t>
-                          </a:r>
-                        </a:p>
-                      </a:txBody>
-                      <a:tcPr/>
-                    </a:tc>
-                    <a:extLst>
-                      <a:ext uri="{0D108BD9-81ED-4DB2-BD59-A6C34878D82A}">
-                        <a16:rowId xmlns:a16="http://schemas.microsoft.com/office/drawing/2014/main" val="2412432484"/>
-                      </a:ext>
-                    </a:extLst>
-                  </a:tr>
-                  <a:tr h="518160">
-                    <a:tc>
-                      <a:txBody>
-                        <a:bodyPr/>
-                        <a:lstStyle/>
-                        <a:p>
-                          <a:pPr algn="ctr"/>
-                          <a:r>
-                            <a:rPr lang="en-US" sz="1400" dirty="0" err="1"/>
-                            <a:t>Preproc_TrustedParty</a:t>
-                          </a:r>
-                          <a:r>
-                            <a:rPr lang="en-US" sz="1400" dirty="0"/>
-                            <a:t>()</a:t>
-                          </a:r>
-                        </a:p>
-                      </a:txBody>
-                      <a:tcPr/>
-                    </a:tc>
-                    <a:tc>
-                      <a:txBody>
-                        <a:bodyPr/>
-                        <a:lstStyle/>
-                        <a:p>
-                          <a:pPr algn="ctr"/>
-                          <a:r>
-                            <a:rPr lang="en-US" sz="1400" dirty="0" err="1"/>
-                            <a:t>rK</a:t>
-                          </a:r>
-                          <a:r>
-                            <a:rPr lang="en-US" sz="1400" dirty="0"/>
-                            <a:t>, </a:t>
-                          </a:r>
-                          <a:r>
-                            <a:rPr lang="en-US" sz="1400" dirty="0" err="1"/>
-                            <a:t>rq</a:t>
-                          </a:r>
-                          <a:r>
-                            <a:rPr lang="en-US" sz="1400" dirty="0"/>
-                            <a:t>, </a:t>
-                          </a:r>
-                          <a:r>
-                            <a:rPr lang="en-US" sz="1400" dirty="0" err="1"/>
-                            <a:t>rx</a:t>
-                          </a:r>
-                          <a:r>
-                            <a:rPr lang="en-US" sz="1400" dirty="0"/>
-                            <a:t>, v, </a:t>
-                          </a:r>
-                          <a:r>
-                            <a:rPr lang="en-US" sz="1400" dirty="0" err="1"/>
-                            <a:t>rw</a:t>
-                          </a:r>
-                          <a:r>
-                            <a:rPr lang="en-US" sz="1400" dirty="0"/>
-                            <a:t>, q, rw1, rw2, </a:t>
-                          </a:r>
-                          <a:r>
-                            <a:rPr lang="en-US" sz="1400" dirty="0" err="1"/>
-                            <a:t>p_server</a:t>
-                          </a:r>
-                          <a:r>
-                            <a:rPr lang="en-US" sz="1400" dirty="0"/>
-                            <a:t>, </a:t>
-                          </a:r>
-                          <a:r>
-                            <a:rPr lang="en-US" sz="1400" dirty="0" err="1"/>
-                            <a:t>p_client</a:t>
-                          </a:r>
-                          <a:endParaRPr lang="en-US" sz="1400" dirty="0"/>
-                        </a:p>
-                      </a:txBody>
-                      <a:tcPr/>
-                    </a:tc>
-                    <a:tc>
-                      <a:txBody>
-                        <a:bodyPr/>
-                        <a:lstStyle/>
-                        <a:p>
-                          <a:endParaRPr lang="en-US"/>
-                        </a:p>
-                      </a:txBody>
-                      <a:tcPr>
-                        <a:blipFill>
-                          <a:blip r:embed="rId2"/>
-                          <a:stretch>
-                            <a:fillRect l="-200000" t="-63415" r="-1117" b="-73171"/>
-                          </a:stretch>
-                        </a:blipFill>
-                      </a:tcPr>
-                    </a:tc>
-                    <a:extLst>
-                      <a:ext uri="{0D108BD9-81ED-4DB2-BD59-A6C34878D82A}">
-                        <a16:rowId xmlns:a16="http://schemas.microsoft.com/office/drawing/2014/main" val="266417292"/>
-                      </a:ext>
-                    </a:extLst>
-                  </a:tr>
-                  <a:tr h="309579">
-                    <a:tc>
-                      <a:txBody>
-                        <a:bodyPr/>
-                        <a:lstStyle/>
-                        <a:p>
-                          <a:pPr algn="ctr"/>
-                          <a:r>
-                            <a:rPr lang="en-US" sz="1400" dirty="0"/>
-                            <a:t>Total</a:t>
-                          </a:r>
-                        </a:p>
-                      </a:txBody>
-                      <a:tcPr/>
-                    </a:tc>
-                    <a:tc>
-                      <a:txBody>
-                        <a:bodyPr/>
-                        <a:lstStyle/>
-                        <a:p>
-                          <a:pPr algn="ctr"/>
-                          <a:endParaRPr lang="en-US" sz="1400" dirty="0"/>
-                        </a:p>
-                      </a:txBody>
-                      <a:tcPr/>
-                    </a:tc>
-                    <a:tc>
-                      <a:txBody>
-                        <a:bodyPr/>
-                        <a:lstStyle/>
-                        <a:p>
-                          <a:endParaRPr lang="en-US"/>
-                        </a:p>
-                      </a:txBody>
-                      <a:tcPr>
-                        <a:blipFill>
-                          <a:blip r:embed="rId2"/>
-                          <a:stretch>
-                            <a:fillRect l="-200000" t="-268000" r="-1117" b="-20000"/>
-                          </a:stretch>
-                        </a:blipFill>
-                      </a:tcPr>
-                    </a:tc>
-                    <a:extLst>
-                      <a:ext uri="{0D108BD9-81ED-4DB2-BD59-A6C34878D82A}">
-                        <a16:rowId xmlns:a16="http://schemas.microsoft.com/office/drawing/2014/main" val="2998986514"/>
-                      </a:ext>
-                    </a:extLst>
-                  </a:tr>
-                </a:tbl>
-              </a:graphicData>
-            </a:graphic>
-          </p:graphicFrame>
-        </mc:Fallback>
-      </mc:AlternateContent>
-      <mc:AlternateContent xmlns:mc="http://schemas.openxmlformats.org/markup-compatibility/2006">
-        <mc:Choice xmlns:a14="http://schemas.microsoft.com/office/drawing/2010/main" Requires="a14">
-          <p:graphicFrame>
-            <p:nvGraphicFramePr>
-              <p:cNvPr id="6" name="Table 5">
-                <a:extLst>
-                  <a:ext uri="{FF2B5EF4-FFF2-40B4-BE49-F238E27FC236}">
-                    <a16:creationId xmlns:a16="http://schemas.microsoft.com/office/drawing/2014/main" id="{43FE5460-E247-7E4B-97EE-29AFC8B0CFF6}"/>
-                  </a:ext>
-                </a:extLst>
-              </p:cNvPr>
-              <p:cNvGraphicFramePr>
-                <a:graphicFrameLocks noGrp="1"/>
-              </p:cNvGraphicFramePr>
-              <p:nvPr>
-                <p:extLst>
-                  <p:ext uri="{D42A27DB-BD31-4B8C-83A1-F6EECF244321}">
-                    <p14:modId xmlns:p14="http://schemas.microsoft.com/office/powerpoint/2010/main" val="2522775190"/>
-                  </p:ext>
-                </p:extLst>
-              </p:nvPr>
-            </p:nvGraphicFramePr>
-            <p:xfrm>
-              <a:off x="1639229" y="4024914"/>
-              <a:ext cx="8062332" cy="1655478"/>
-            </p:xfrm>
-            <a:graphic>
-              <a:graphicData uri="http://schemas.openxmlformats.org/drawingml/2006/table">
-                <a:tbl>
-                  <a:tblPr firstRow="1" bandRow="1">
-                    <a:tableStyleId>{5940675A-B579-460E-94D1-54222C63F5DA}</a:tableStyleId>
-                  </a:tblPr>
-                  <a:tblGrid>
-                    <a:gridCol w="2687444">
-                      <a:extLst>
-                        <a:ext uri="{9D8B030D-6E8A-4147-A177-3AD203B41FA5}">
-                          <a16:colId xmlns:a16="http://schemas.microsoft.com/office/drawing/2014/main" val="2780235502"/>
-                        </a:ext>
-                      </a:extLst>
-                    </a:gridCol>
-                    <a:gridCol w="2687444">
-                      <a:extLst>
-                        <a:ext uri="{9D8B030D-6E8A-4147-A177-3AD203B41FA5}">
-                          <a16:colId xmlns:a16="http://schemas.microsoft.com/office/drawing/2014/main" val="4124010374"/>
-                        </a:ext>
-                      </a:extLst>
-                    </a:gridCol>
-                    <a:gridCol w="2687444">
-                      <a:extLst>
-                        <a:ext uri="{9D8B030D-6E8A-4147-A177-3AD203B41FA5}">
-                          <a16:colId xmlns:a16="http://schemas.microsoft.com/office/drawing/2014/main" val="3769471840"/>
-                        </a:ext>
-                      </a:extLst>
-                    </a:gridCol>
-                  </a:tblGrid>
-                  <a:tr h="309579">
-                    <a:tc>
-                      <a:txBody>
-                        <a:bodyPr/>
-                        <a:lstStyle/>
-                        <a:p>
-                          <a:pPr algn="ctr"/>
-                          <a:r>
-                            <a:rPr lang="en-US" sz="1400" b="1" dirty="0"/>
-                            <a:t>Functions</a:t>
-                          </a:r>
-                        </a:p>
-                      </a:txBody>
-                      <a:tcPr/>
-                    </a:tc>
-                    <a:tc>
-                      <a:txBody>
-                        <a:bodyPr/>
-                        <a:lstStyle/>
-                        <a:p>
-                          <a:pPr algn="ctr"/>
-                          <a:r>
-                            <a:rPr lang="en-US" sz="1400" b="1"/>
-                            <a:t>Variables</a:t>
-                          </a:r>
-                          <a:endParaRPr lang="en-US" sz="1400" b="1" dirty="0"/>
-                        </a:p>
-                      </a:txBody>
-                      <a:tcPr/>
-                    </a:tc>
-                    <a:tc>
-                      <a:txBody>
-                        <a:bodyPr/>
-                        <a:lstStyle/>
-                        <a:p>
-                          <a:pPr algn="ctr"/>
-                          <a:r>
-                            <a:rPr lang="en-US" sz="1400" b="1" dirty="0"/>
-                            <a:t>Size</a:t>
-                          </a:r>
-                        </a:p>
-                      </a:txBody>
-                      <a:tcPr/>
-                    </a:tc>
-                    <a:extLst>
-                      <a:ext uri="{0D108BD9-81ED-4DB2-BD59-A6C34878D82A}">
-                        <a16:rowId xmlns:a16="http://schemas.microsoft.com/office/drawing/2014/main" val="2412432484"/>
-                      </a:ext>
-                    </a:extLst>
-                  </a:tr>
-                  <a:tr h="341956">
-                    <a:tc>
-                      <a:txBody>
-                        <a:bodyPr/>
-                        <a:lstStyle/>
-                        <a:p>
-                          <a:pPr algn="ctr"/>
-                          <a:r>
-                            <a:rPr lang="en-US" sz="1400" dirty="0" err="1"/>
-                            <a:t>Preproc_TrustedParty</a:t>
-                          </a:r>
-                          <a:r>
-                            <a:rPr lang="en-US" sz="1400" dirty="0"/>
-                            <a:t>()</a:t>
-                          </a:r>
-                        </a:p>
-                      </a:txBody>
-                      <a:tcPr/>
-                    </a:tc>
-                    <a:tc>
-                      <a:txBody>
-                        <a:bodyPr/>
-                        <a:lstStyle/>
-                        <a:p>
-                          <a:pPr algn="ctr"/>
-                          <a:r>
-                            <a:rPr lang="en-US" sz="1400" dirty="0" err="1"/>
-                            <a:t>rK</a:t>
-                          </a:r>
-                          <a:r>
-                            <a:rPr lang="en-US" sz="1400" dirty="0"/>
-                            <a:t>, </a:t>
-                          </a:r>
-                          <a:r>
-                            <a:rPr lang="en-US" sz="1400" dirty="0" err="1"/>
-                            <a:t>rq</a:t>
-                          </a:r>
-                          <a:r>
-                            <a:rPr lang="en-US" sz="1400" dirty="0"/>
-                            <a:t>, </a:t>
-                          </a:r>
-                          <a:r>
-                            <a:rPr lang="en-US" sz="1400" dirty="0" err="1"/>
-                            <a:t>rx</a:t>
-                          </a:r>
-                          <a:r>
-                            <a:rPr lang="en-US" sz="1400" dirty="0"/>
-                            <a:t>, v, </a:t>
-                          </a:r>
-                          <a:r>
-                            <a:rPr lang="en-US" sz="1400" dirty="0" err="1"/>
-                            <a:t>rw</a:t>
-                          </a:r>
-                          <a:r>
-                            <a:rPr lang="en-US" sz="1400" dirty="0"/>
-                            <a:t>, q, rw1, rw2, </a:t>
-                          </a:r>
-                          <a:r>
-                            <a:rPr lang="en-US" sz="1400" dirty="0" err="1"/>
-                            <a:t>p_server</a:t>
-                          </a:r>
-                          <a:r>
-                            <a:rPr lang="en-US" sz="1400" dirty="0"/>
-                            <a:t>, </a:t>
-                          </a:r>
-                          <a:r>
-                            <a:rPr lang="en-US" sz="1400" dirty="0" err="1"/>
-                            <a:t>p_client</a:t>
-                          </a:r>
-                          <a:endParaRPr lang="en-US" sz="1400" dirty="0"/>
-                        </a:p>
-                      </a:txBody>
-                      <a:tcPr/>
-                    </a:tc>
-                    <a:tc>
-                      <a:txBody>
-                        <a:bodyPr/>
-                        <a:lstStyle/>
-                        <a:p>
-                          <a:pPr algn="ctr"/>
-                          <a14:m>
-                            <m:oMathPara xmlns:m="http://schemas.openxmlformats.org/officeDocument/2006/math">
-                              <m:oMathParaPr>
-                                <m:jc m:val="centerGroup"/>
-                              </m:oMathParaPr>
-                              <m:oMath xmlns:m="http://schemas.openxmlformats.org/officeDocument/2006/math">
-                                <m:r>
-                                  <a:rPr lang="en-US" sz="1400" b="0" i="1" smtClean="0">
-                                    <a:latin typeface="Cambria Math" panose="02040503050406030204" pitchFamily="18" charset="0"/>
-                                  </a:rPr>
-                                  <m:t>2</m:t>
-                                </m:r>
-                                <m:r>
-                                  <a:rPr lang="en-US" sz="1400" b="0" i="1" smtClean="0">
-                                    <a:latin typeface="Cambria Math" panose="02040503050406030204" pitchFamily="18" charset="0"/>
-                                  </a:rPr>
-                                  <m:t>𝑛</m:t>
-                                </m:r>
-                                <m:r>
-                                  <a:rPr lang="en-US" sz="1400" b="0" i="1" smtClean="0">
-                                    <a:latin typeface="Cambria Math" panose="02040503050406030204" pitchFamily="18" charset="0"/>
-                                  </a:rPr>
-                                  <m:t>+7</m:t>
-                                </m:r>
-                                <m:r>
-                                  <a:rPr lang="en-US" sz="1400" b="0" i="1" smtClean="0">
-                                    <a:latin typeface="Cambria Math" panose="02040503050406030204" pitchFamily="18" charset="0"/>
-                                  </a:rPr>
-                                  <m:t>𝑛</m:t>
-                                </m:r>
-                                <m:r>
-                                  <a:rPr lang="en-US" sz="1400" b="0" i="1" smtClean="0">
-                                    <a:latin typeface="Cambria Math" panose="02040503050406030204" pitchFamily="18" charset="0"/>
-                                  </a:rPr>
-                                  <m:t>+4</m:t>
-                                </m:r>
-                                <m:r>
-                                  <a:rPr lang="en-US" sz="1400" b="0" i="1" smtClean="0">
-                                    <a:latin typeface="Cambria Math" panose="02040503050406030204" pitchFamily="18" charset="0"/>
-                                  </a:rPr>
-                                  <m:t>𝑛</m:t>
-                                </m:r>
-                                <m:r>
-                                  <a:rPr lang="en-US" sz="1400" b="0" i="1" smtClean="0">
-                                    <a:latin typeface="Cambria Math" panose="02040503050406030204" pitchFamily="18" charset="0"/>
-                                  </a:rPr>
-                                  <m:t>=13</m:t>
-                                </m:r>
-                                <m:r>
-                                  <a:rPr lang="en-US" sz="1400" b="0" i="1" smtClean="0">
-                                    <a:latin typeface="Cambria Math" panose="02040503050406030204" pitchFamily="18" charset="0"/>
-                                  </a:rPr>
-                                  <m:t>𝑛</m:t>
-                                </m:r>
-                              </m:oMath>
-                            </m:oMathPara>
-                          </a14:m>
-                          <a:endParaRPr lang="en-US" sz="1400" dirty="0"/>
-                        </a:p>
-                      </a:txBody>
-                      <a:tcPr/>
-                    </a:tc>
-                    <a:extLst>
-                      <a:ext uri="{0D108BD9-81ED-4DB2-BD59-A6C34878D82A}">
-                        <a16:rowId xmlns:a16="http://schemas.microsoft.com/office/drawing/2014/main" val="266417292"/>
-                      </a:ext>
-                    </a:extLst>
-                  </a:tr>
-                  <a:tr h="341956">
-                    <a:tc>
-                      <a:txBody>
-                        <a:bodyPr/>
-                        <a:lstStyle/>
-                        <a:p>
-                          <a:pPr algn="ctr"/>
-                          <a:r>
-                            <a:rPr lang="en-US" sz="1400" dirty="0" err="1"/>
-                            <a:t>Reformat_Rmat</a:t>
-                          </a:r>
-                          <a:r>
-                            <a:rPr lang="en-US" sz="1400" dirty="0"/>
-                            <a:t>()</a:t>
-                          </a:r>
-                        </a:p>
-                        <a:p>
-                          <a:pPr algn="ctr"/>
-                          <a:r>
-                            <a:rPr lang="en-US" sz="1400" dirty="0" err="1"/>
-                            <a:t>Create_lookup</a:t>
-                          </a:r>
-                          <a:r>
-                            <a:rPr lang="en-US" sz="1400" dirty="0"/>
-                            <a:t> table()</a:t>
-                          </a:r>
-                        </a:p>
-                      </a:txBody>
-                      <a:tcPr/>
-                    </a:tc>
-                    <a:tc>
-                      <a:txBody>
-                        <a:bodyPr/>
-                        <a:lstStyle/>
-                        <a:p>
-                          <a:pPr algn="ctr"/>
-                          <a:r>
-                            <a:rPr lang="en-US" sz="1400" dirty="0"/>
-                            <a:t>Rmat16, </a:t>
-                          </a:r>
-                          <a:r>
-                            <a:rPr lang="en-US" sz="1400" dirty="0" err="1"/>
-                            <a:t>lookup_table</a:t>
-                          </a:r>
-                          <a:endParaRPr lang="en-US" sz="1400" dirty="0"/>
-                        </a:p>
-                      </a:txBody>
-                      <a:tcPr/>
-                    </a:tc>
-                    <a:tc>
-                      <a:txBody>
-                        <a:bodyPr/>
-                        <a:lstStyle/>
-                        <a:p>
-                          <a:pPr algn="ctr"/>
-                          <a14:m>
-                            <m:oMathPara xmlns:m="http://schemas.openxmlformats.org/officeDocument/2006/math">
-                              <m:oMathParaPr>
-                                <m:jc m:val="centerGroup"/>
-                              </m:oMathParaPr>
-                              <m:oMath xmlns:m="http://schemas.openxmlformats.org/officeDocument/2006/math">
-                                <m:r>
-                                  <a:rPr lang="en-US" sz="1400" b="0" i="1" smtClean="0">
-                                    <a:latin typeface="Cambria Math" panose="02040503050406030204" pitchFamily="18" charset="0"/>
-                                  </a:rPr>
-                                  <m:t>81</m:t>
-                                </m:r>
-                                <m:r>
-                                  <a:rPr lang="en-US" sz="1400" b="0" i="1" smtClean="0">
-                                    <a:latin typeface="Cambria Math" panose="02040503050406030204" pitchFamily="18" charset="0"/>
-                                  </a:rPr>
-                                  <m:t>𝑛</m:t>
-                                </m:r>
-                                <m:r>
-                                  <a:rPr lang="en-US" sz="1400" b="0" i="1" smtClean="0">
-                                    <a:latin typeface="Cambria Math" panose="02040503050406030204" pitchFamily="18" charset="0"/>
-                                  </a:rPr>
-                                  <m:t>+16 × </m:t>
-                                </m:r>
-                                <m:d>
-                                  <m:dPr>
-                                    <m:ctrlPr>
-                                      <a:rPr lang="en-US" sz="1400" b="0" i="1" smtClean="0">
-                                        <a:latin typeface="Cambria Math" panose="02040503050406030204" pitchFamily="18" charset="0"/>
-                                      </a:rPr>
-                                    </m:ctrlPr>
-                                  </m:dPr>
-                                  <m:e>
-                                    <m:sSup>
-                                      <m:sSupPr>
-                                        <m:ctrlPr>
-                                          <a:rPr lang="en-US" sz="1400" b="0" i="1" smtClean="0">
-                                            <a:latin typeface="Cambria Math" panose="02040503050406030204" pitchFamily="18" charset="0"/>
-                                          </a:rPr>
-                                        </m:ctrlPr>
-                                      </m:sSupPr>
-                                      <m:e>
-                                        <m:r>
-                                          <a:rPr lang="en-US" sz="1400" b="0" i="1" smtClean="0">
-                                            <a:latin typeface="Cambria Math" panose="02040503050406030204" pitchFamily="18" charset="0"/>
-                                          </a:rPr>
-                                          <m:t>2</m:t>
-                                        </m:r>
-                                      </m:e>
-                                      <m:sup>
-                                        <m:r>
-                                          <a:rPr lang="en-US" sz="1400" b="0" i="1" smtClean="0">
-                                            <a:latin typeface="Cambria Math" panose="02040503050406030204" pitchFamily="18" charset="0"/>
-                                          </a:rPr>
-                                          <m:t>16</m:t>
-                                        </m:r>
-                                      </m:sup>
-                                    </m:sSup>
-                                    <m:r>
-                                      <a:rPr lang="en-US" sz="1400" b="0" i="1" smtClean="0">
-                                        <a:latin typeface="Cambria Math" panose="02040503050406030204" pitchFamily="18" charset="0"/>
-                                      </a:rPr>
-                                      <m:t> −1</m:t>
-                                    </m:r>
-                                  </m:e>
-                                </m:d>
-                                <m:r>
-                                  <a:rPr lang="en-US" sz="1400" b="0" i="1" smtClean="0">
-                                    <a:latin typeface="Cambria Math" panose="02040503050406030204" pitchFamily="18" charset="0"/>
-                                  </a:rPr>
-                                  <m:t> </m:t>
-                                </m:r>
-                                <m:r>
-                                  <a:rPr lang="en-US" sz="1400" b="0" i="1" smtClean="0">
-                                    <a:latin typeface="Cambria Math" panose="02040503050406030204" pitchFamily="18" charset="0"/>
-                                    <a:ea typeface="Cambria Math" panose="02040503050406030204" pitchFamily="18" charset="0"/>
-                                  </a:rPr>
-                                  <m:t>~</m:t>
-                                </m:r>
-                                <m:r>
-                                  <a:rPr lang="en-US" sz="1400" b="0" i="1" smtClean="0">
-                                    <a:latin typeface="Cambria Math" panose="02040503050406030204" pitchFamily="18" charset="0"/>
-                                  </a:rPr>
-                                  <m:t> 4177</m:t>
-                                </m:r>
-                                <m:r>
-                                  <a:rPr lang="en-US" sz="1400" b="0" i="1" smtClean="0">
-                                    <a:latin typeface="Cambria Math" panose="02040503050406030204" pitchFamily="18" charset="0"/>
-                                  </a:rPr>
-                                  <m:t>𝑛</m:t>
-                                </m:r>
-                              </m:oMath>
-                            </m:oMathPara>
-                          </a14:m>
-                          <a:endParaRPr lang="en-US" sz="1400" dirty="0"/>
-                        </a:p>
-                      </a:txBody>
-                      <a:tcPr/>
-                    </a:tc>
-                    <a:extLst>
-                      <a:ext uri="{0D108BD9-81ED-4DB2-BD59-A6C34878D82A}">
-                        <a16:rowId xmlns:a16="http://schemas.microsoft.com/office/drawing/2014/main" val="100994603"/>
-                      </a:ext>
-                    </a:extLst>
-                  </a:tr>
-                  <a:tr h="309579">
-                    <a:tc>
-                      <a:txBody>
-                        <a:bodyPr/>
-                        <a:lstStyle/>
-                        <a:p>
-                          <a:pPr algn="ctr"/>
-                          <a:r>
-                            <a:rPr lang="en-US" sz="1400" dirty="0"/>
-                            <a:t>Total</a:t>
-                          </a:r>
-                        </a:p>
-                      </a:txBody>
-                      <a:tcPr/>
-                    </a:tc>
-                    <a:tc>
-                      <a:txBody>
-                        <a:bodyPr/>
-                        <a:lstStyle/>
-                        <a:p>
-                          <a:pPr algn="ctr"/>
-                          <a:endParaRPr lang="en-US" sz="1400" dirty="0"/>
-                        </a:p>
-                      </a:txBody>
-                      <a:tcPr/>
-                    </a:tc>
-                    <a:tc>
-                      <a:txBody>
-                        <a:bodyPr/>
-                        <a:lstStyle/>
-                        <a:p>
-                          <a:pPr algn="ctr"/>
-                          <a14:m>
-                            <m:oMathPara xmlns:m="http://schemas.openxmlformats.org/officeDocument/2006/math">
-                              <m:oMathParaPr>
-                                <m:jc m:val="centerGroup"/>
-                              </m:oMathParaPr>
-                              <m:oMath xmlns:m="http://schemas.openxmlformats.org/officeDocument/2006/math">
-                                <m:r>
-                                  <a:rPr lang="en-US" sz="1400" b="0" i="1" smtClean="0">
-                                    <a:latin typeface="Cambria Math" panose="02040503050406030204" pitchFamily="18" charset="0"/>
-                                  </a:rPr>
-                                  <m:t>4190</m:t>
-                                </m:r>
-                                <m:r>
-                                  <a:rPr lang="en-US" sz="1400" b="0" i="1" smtClean="0">
-                                    <a:latin typeface="Cambria Math" panose="02040503050406030204" pitchFamily="18" charset="0"/>
-                                  </a:rPr>
-                                  <m:t>𝑛</m:t>
-                                </m:r>
-                                <m:r>
-                                  <a:rPr lang="en-US" sz="1400" b="0" i="1" smtClean="0">
-                                    <a:latin typeface="Cambria Math" panose="02040503050406030204" pitchFamily="18" charset="0"/>
-                                  </a:rPr>
-                                  <m:t>=1,072,640 ~ 1</m:t>
-                                </m:r>
-                                <m:r>
-                                  <a:rPr lang="en-US" sz="1400" b="0" i="1" smtClean="0">
-                                    <a:latin typeface="Cambria Math" panose="02040503050406030204" pitchFamily="18" charset="0"/>
-                                    <a:ea typeface="Cambria Math" panose="02040503050406030204" pitchFamily="18" charset="0"/>
-                                  </a:rPr>
-                                  <m:t>𝑀</m:t>
-                                </m:r>
-                              </m:oMath>
-                            </m:oMathPara>
-                          </a14:m>
-                          <a:endParaRPr lang="en-US" sz="1400" dirty="0"/>
-                        </a:p>
-                      </a:txBody>
-                      <a:tcPr/>
-                    </a:tc>
-                    <a:extLst>
-                      <a:ext uri="{0D108BD9-81ED-4DB2-BD59-A6C34878D82A}">
-                        <a16:rowId xmlns:a16="http://schemas.microsoft.com/office/drawing/2014/main" val="2998986514"/>
-                      </a:ext>
-                    </a:extLst>
-                  </a:tr>
-                </a:tbl>
-              </a:graphicData>
-            </a:graphic>
-          </p:graphicFrame>
-        </mc:Choice>
-        <mc:Fallback>
-          <p:graphicFrame>
-            <p:nvGraphicFramePr>
-              <p:cNvPr id="6" name="Table 5">
-                <a:extLst>
-                  <a:ext uri="{FF2B5EF4-FFF2-40B4-BE49-F238E27FC236}">
-                    <a16:creationId xmlns:a16="http://schemas.microsoft.com/office/drawing/2014/main" id="{43FE5460-E247-7E4B-97EE-29AFC8B0CFF6}"/>
-                  </a:ext>
-                </a:extLst>
-              </p:cNvPr>
-              <p:cNvGraphicFramePr>
-                <a:graphicFrameLocks noGrp="1"/>
-              </p:cNvGraphicFramePr>
-              <p:nvPr>
-                <p:extLst>
-                  <p:ext uri="{D42A27DB-BD31-4B8C-83A1-F6EECF244321}">
-                    <p14:modId xmlns:p14="http://schemas.microsoft.com/office/powerpoint/2010/main" val="2522775190"/>
-                  </p:ext>
-                </p:extLst>
-              </p:nvPr>
-            </p:nvGraphicFramePr>
-            <p:xfrm>
-              <a:off x="1639229" y="4024914"/>
-              <a:ext cx="8062332" cy="1655478"/>
-            </p:xfrm>
-            <a:graphic>
-              <a:graphicData uri="http://schemas.openxmlformats.org/drawingml/2006/table">
-                <a:tbl>
-                  <a:tblPr firstRow="1" bandRow="1">
-                    <a:tableStyleId>{5940675A-B579-460E-94D1-54222C63F5DA}</a:tableStyleId>
-                  </a:tblPr>
-                  <a:tblGrid>
-                    <a:gridCol w="2687444">
-                      <a:extLst>
-                        <a:ext uri="{9D8B030D-6E8A-4147-A177-3AD203B41FA5}">
-                          <a16:colId xmlns:a16="http://schemas.microsoft.com/office/drawing/2014/main" val="2780235502"/>
-                        </a:ext>
-                      </a:extLst>
-                    </a:gridCol>
-                    <a:gridCol w="2687444">
-                      <a:extLst>
-                        <a:ext uri="{9D8B030D-6E8A-4147-A177-3AD203B41FA5}">
-                          <a16:colId xmlns:a16="http://schemas.microsoft.com/office/drawing/2014/main" val="4124010374"/>
-                        </a:ext>
-                      </a:extLst>
-                    </a:gridCol>
-                    <a:gridCol w="2687444">
-                      <a:extLst>
-                        <a:ext uri="{9D8B030D-6E8A-4147-A177-3AD203B41FA5}">
-                          <a16:colId xmlns:a16="http://schemas.microsoft.com/office/drawing/2014/main" val="3769471840"/>
-                        </a:ext>
-                      </a:extLst>
-                    </a:gridCol>
-                  </a:tblGrid>
-                  <a:tr h="309579">
-                    <a:tc>
-                      <a:txBody>
-                        <a:bodyPr/>
-                        <a:lstStyle/>
-                        <a:p>
-                          <a:pPr algn="ctr"/>
-                          <a:r>
-                            <a:rPr lang="en-US" sz="1400" b="1" dirty="0"/>
-                            <a:t>Functions</a:t>
-                          </a:r>
-                        </a:p>
-                      </a:txBody>
-                      <a:tcPr/>
-                    </a:tc>
-                    <a:tc>
-                      <a:txBody>
-                        <a:bodyPr/>
-                        <a:lstStyle/>
-                        <a:p>
-                          <a:pPr algn="ctr"/>
-                          <a:r>
-                            <a:rPr lang="en-US" sz="1400" b="1"/>
-                            <a:t>Variables</a:t>
-                          </a:r>
-                          <a:endParaRPr lang="en-US" sz="1400" b="1" dirty="0"/>
-                        </a:p>
-                      </a:txBody>
-                      <a:tcPr/>
-                    </a:tc>
-                    <a:tc>
-                      <a:txBody>
-                        <a:bodyPr/>
-                        <a:lstStyle/>
-                        <a:p>
-                          <a:pPr algn="ctr"/>
-                          <a:r>
-                            <a:rPr lang="en-US" sz="1400" b="1" dirty="0"/>
-                            <a:t>Size</a:t>
-                          </a:r>
-                        </a:p>
-                      </a:txBody>
-                      <a:tcPr/>
-                    </a:tc>
-                    <a:extLst>
-                      <a:ext uri="{0D108BD9-81ED-4DB2-BD59-A6C34878D82A}">
-                        <a16:rowId xmlns:a16="http://schemas.microsoft.com/office/drawing/2014/main" val="2412432484"/>
-                      </a:ext>
-                    </a:extLst>
-                  </a:tr>
-                  <a:tr h="518160">
-                    <a:tc>
-                      <a:txBody>
-                        <a:bodyPr/>
-                        <a:lstStyle/>
-                        <a:p>
-                          <a:pPr algn="ctr"/>
-                          <a:r>
-                            <a:rPr lang="en-US" sz="1400" dirty="0" err="1"/>
-                            <a:t>Preproc_TrustedParty</a:t>
-                          </a:r>
-                          <a:r>
-                            <a:rPr lang="en-US" sz="1400" dirty="0"/>
-                            <a:t>()</a:t>
-                          </a:r>
-                        </a:p>
-                      </a:txBody>
-                      <a:tcPr/>
-                    </a:tc>
-                    <a:tc>
-                      <a:txBody>
-                        <a:bodyPr/>
-                        <a:lstStyle/>
-                        <a:p>
-                          <a:pPr algn="ctr"/>
-                          <a:r>
-                            <a:rPr lang="en-US" sz="1400" dirty="0" err="1"/>
-                            <a:t>rK</a:t>
-                          </a:r>
-                          <a:r>
-                            <a:rPr lang="en-US" sz="1400" dirty="0"/>
-                            <a:t>, </a:t>
-                          </a:r>
-                          <a:r>
-                            <a:rPr lang="en-US" sz="1400" dirty="0" err="1"/>
-                            <a:t>rq</a:t>
-                          </a:r>
-                          <a:r>
-                            <a:rPr lang="en-US" sz="1400" dirty="0"/>
-                            <a:t>, </a:t>
-                          </a:r>
-                          <a:r>
-                            <a:rPr lang="en-US" sz="1400" dirty="0" err="1"/>
-                            <a:t>rx</a:t>
-                          </a:r>
-                          <a:r>
-                            <a:rPr lang="en-US" sz="1400" dirty="0"/>
-                            <a:t>, v, </a:t>
-                          </a:r>
-                          <a:r>
-                            <a:rPr lang="en-US" sz="1400" dirty="0" err="1"/>
-                            <a:t>rw</a:t>
-                          </a:r>
-                          <a:r>
-                            <a:rPr lang="en-US" sz="1400" dirty="0"/>
-                            <a:t>, q, rw1, rw2, </a:t>
-                          </a:r>
-                          <a:r>
-                            <a:rPr lang="en-US" sz="1400" dirty="0" err="1"/>
-                            <a:t>p_server</a:t>
-                          </a:r>
-                          <a:r>
-                            <a:rPr lang="en-US" sz="1400" dirty="0"/>
-                            <a:t>, </a:t>
-                          </a:r>
-                          <a:r>
-                            <a:rPr lang="en-US" sz="1400" dirty="0" err="1"/>
-                            <a:t>p_client</a:t>
-                          </a:r>
-                          <a:endParaRPr lang="en-US" sz="1400" dirty="0"/>
-                        </a:p>
-                      </a:txBody>
-                      <a:tcPr/>
-                    </a:tc>
-                    <a:tc>
-                      <a:txBody>
-                        <a:bodyPr/>
-                        <a:lstStyle/>
-                        <a:p>
-                          <a:endParaRPr lang="en-US"/>
-                        </a:p>
-                      </a:txBody>
-                      <a:tcPr>
-                        <a:blipFill>
-                          <a:blip r:embed="rId3"/>
-                          <a:stretch>
-                            <a:fillRect l="-200000" t="-63415" r="-943" b="-173171"/>
-                          </a:stretch>
-                        </a:blipFill>
-                      </a:tcPr>
-                    </a:tc>
-                    <a:extLst>
-                      <a:ext uri="{0D108BD9-81ED-4DB2-BD59-A6C34878D82A}">
-                        <a16:rowId xmlns:a16="http://schemas.microsoft.com/office/drawing/2014/main" val="266417292"/>
-                      </a:ext>
-                    </a:extLst>
-                  </a:tr>
-                  <a:tr h="518160">
-                    <a:tc>
-                      <a:txBody>
-                        <a:bodyPr/>
-                        <a:lstStyle/>
-                        <a:p>
-                          <a:pPr algn="ctr"/>
-                          <a:r>
-                            <a:rPr lang="en-US" sz="1400" dirty="0" err="1"/>
-                            <a:t>Reformat_Rmat</a:t>
-                          </a:r>
-                          <a:r>
-                            <a:rPr lang="en-US" sz="1400" dirty="0"/>
-                            <a:t>()</a:t>
-                          </a:r>
-                        </a:p>
-                        <a:p>
-                          <a:pPr algn="ctr"/>
-                          <a:r>
-                            <a:rPr lang="en-US" sz="1400" dirty="0" err="1"/>
-                            <a:t>Create_lookup</a:t>
-                          </a:r>
-                          <a:r>
-                            <a:rPr lang="en-US" sz="1400" dirty="0"/>
-                            <a:t> table()</a:t>
-                          </a:r>
-                        </a:p>
-                      </a:txBody>
-                      <a:tcPr/>
-                    </a:tc>
-                    <a:tc>
-                      <a:txBody>
-                        <a:bodyPr/>
-                        <a:lstStyle/>
-                        <a:p>
-                          <a:pPr algn="ctr"/>
-                          <a:r>
-                            <a:rPr lang="en-US" sz="1400" dirty="0"/>
-                            <a:t>Rmat16, </a:t>
-                          </a:r>
-                          <a:r>
-                            <a:rPr lang="en-US" sz="1400" dirty="0" err="1"/>
-                            <a:t>lookup_table</a:t>
-                          </a:r>
-                          <a:endParaRPr lang="en-US" sz="1400" dirty="0"/>
-                        </a:p>
-                      </a:txBody>
-                      <a:tcPr/>
-                    </a:tc>
-                    <a:tc>
-                      <a:txBody>
-                        <a:bodyPr/>
-                        <a:lstStyle/>
-                        <a:p>
-                          <a:endParaRPr lang="en-US"/>
-                        </a:p>
-                      </a:txBody>
-                      <a:tcPr>
-                        <a:blipFill>
-                          <a:blip r:embed="rId3"/>
-                          <a:stretch>
-                            <a:fillRect l="-200000" t="-163415" r="-943" b="-73171"/>
-                          </a:stretch>
-                        </a:blipFill>
-                      </a:tcPr>
-                    </a:tc>
-                    <a:extLst>
-                      <a:ext uri="{0D108BD9-81ED-4DB2-BD59-A6C34878D82A}">
-                        <a16:rowId xmlns:a16="http://schemas.microsoft.com/office/drawing/2014/main" val="100994603"/>
-                      </a:ext>
-                    </a:extLst>
-                  </a:tr>
-                  <a:tr h="309579">
-                    <a:tc>
-                      <a:txBody>
-                        <a:bodyPr/>
-                        <a:lstStyle/>
-                        <a:p>
-                          <a:pPr algn="ctr"/>
-                          <a:r>
-                            <a:rPr lang="en-US" sz="1400" dirty="0"/>
-                            <a:t>Total</a:t>
-                          </a:r>
-                        </a:p>
-                      </a:txBody>
-                      <a:tcPr/>
-                    </a:tc>
-                    <a:tc>
-                      <a:txBody>
-                        <a:bodyPr/>
-                        <a:lstStyle/>
-                        <a:p>
-                          <a:pPr algn="ctr"/>
-                          <a:endParaRPr lang="en-US" sz="1400" dirty="0"/>
-                        </a:p>
-                      </a:txBody>
-                      <a:tcPr/>
-                    </a:tc>
-                    <a:tc>
-                      <a:txBody>
-                        <a:bodyPr/>
-                        <a:lstStyle/>
-                        <a:p>
-                          <a:endParaRPr lang="en-US"/>
-                        </a:p>
-                      </a:txBody>
-                      <a:tcPr>
-                        <a:blipFill>
-                          <a:blip r:embed="rId3"/>
-                          <a:stretch>
-                            <a:fillRect l="-200000" t="-432000" r="-943" b="-20000"/>
-                          </a:stretch>
-                        </a:blipFill>
-                      </a:tcPr>
-                    </a:tc>
-                    <a:extLst>
-                      <a:ext uri="{0D108BD9-81ED-4DB2-BD59-A6C34878D82A}">
-                        <a16:rowId xmlns:a16="http://schemas.microsoft.com/office/drawing/2014/main" val="2998986514"/>
-                      </a:ext>
-                    </a:extLst>
-                  </a:tr>
-                </a:tbl>
-              </a:graphicData>
-            </a:graphic>
-          </p:graphicFrame>
-        </mc:Fallback>
-      </mc:AlternateContent>
-      <p:sp>
-        <p:nvSpPr>
-          <p:cNvPr id="7" name="Title 1">
-            <a:extLst>
-              <a:ext uri="{FF2B5EF4-FFF2-40B4-BE49-F238E27FC236}">
-                <a16:creationId xmlns:a16="http://schemas.microsoft.com/office/drawing/2014/main" id="{A0FB83D0-8839-844C-96DD-40EB0BD1D898}"/>
-              </a:ext>
-            </a:extLst>
-          </p:cNvPr>
-          <p:cNvSpPr txBox="1">
-            <a:spLocks/>
-          </p:cNvSpPr>
-          <p:nvPr/>
-        </p:nvSpPr>
-        <p:spPr>
-          <a:xfrm>
-            <a:off x="745273" y="3129439"/>
-            <a:ext cx="10515600" cy="471216"/>
-          </a:xfrm>
-          <a:prstGeom prst="rect">
-            <a:avLst/>
-          </a:prstGeom>
-        </p:spPr>
-        <p:txBody>
-          <a:bodyPr vert="horz" lIns="91440" tIns="45720" rIns="91440" bIns="45720" rtlCol="0" anchor="ctr">
-            <a:noAutofit/>
-          </a:bodyPr>
-          <a:lstStyle>
-            <a:lvl1pPr algn="l" defTabSz="914400" rtl="0" eaLnBrk="1" latinLnBrk="0" hangingPunct="1">
-              <a:lnSpc>
-                <a:spcPct val="90000"/>
-              </a:lnSpc>
-              <a:spcBef>
-                <a:spcPct val="0"/>
-              </a:spcBef>
-              <a:buNone/>
-              <a:defRPr sz="4400" kern="1200">
-                <a:solidFill>
-                  <a:schemeClr val="tx1"/>
-                </a:solidFill>
-                <a:latin typeface="+mj-lt"/>
-                <a:ea typeface="+mj-ea"/>
-                <a:cs typeface="+mj-cs"/>
-              </a:defRPr>
-            </a:lvl1pPr>
-          </a:lstStyle>
-          <a:p>
-            <a:r>
-              <a:rPr lang="en-US" sz="3600" dirty="0" err="1"/>
-              <a:t>oPRF</a:t>
-            </a:r>
-            <a:r>
-              <a:rPr lang="en-US" sz="3600" dirty="0"/>
-              <a:t> (packed + lookup)</a:t>
-            </a:r>
+        <p:spPr/>
+        <p:txBody>
+          <a:bodyPr/>
+          <a:lstStyle/>
+          <a:p>
+            <a:r>
+              <a:rPr lang="en-US" dirty="0"/>
+              <a:t>Implemented and benchmarked Fully Distributed </a:t>
+            </a:r>
+            <a:r>
+              <a:rPr lang="en-US" dirty="0" err="1"/>
+              <a:t>wPRF</a:t>
+            </a:r>
+            <a:r>
+              <a:rPr lang="en-US" dirty="0"/>
+              <a:t> discussed in TCC’18.</a:t>
+            </a:r>
+          </a:p>
+          <a:p>
+            <a:r>
+              <a:rPr lang="en-US" dirty="0"/>
+              <a:t>Benchmark </a:t>
+            </a:r>
+            <a:r>
+              <a:rPr lang="en-US" dirty="0" err="1"/>
+              <a:t>libsodium</a:t>
+            </a:r>
+            <a:r>
+              <a:rPr lang="en-US" dirty="0"/>
+              <a:t> library to know competing modular exponentiation implementation.</a:t>
+            </a:r>
+          </a:p>
+          <a:p>
+            <a:r>
+              <a:rPr lang="en-US" dirty="0"/>
+              <a:t>Implemented newly proposed protocol (Fully distributed </a:t>
+            </a:r>
+            <a:r>
+              <a:rPr lang="en-US" dirty="0" err="1"/>
+              <a:t>wPRF</a:t>
+            </a:r>
+            <a:r>
+              <a:rPr lang="en-US" dirty="0"/>
+              <a:t> with preprocessing) as more optimized version of previous </a:t>
+            </a:r>
+            <a:r>
+              <a:rPr lang="en-US" dirty="0" err="1"/>
+              <a:t>wPRF</a:t>
+            </a:r>
+            <a:r>
+              <a:rPr lang="en-US" dirty="0"/>
+              <a:t>.</a:t>
+            </a:r>
+          </a:p>
+          <a:p>
+            <a:r>
+              <a:rPr lang="en-US" dirty="0"/>
+              <a:t>Implemented and benchmarked Oblivious PRF.</a:t>
+            </a:r>
+          </a:p>
+          <a:p>
+            <a:r>
+              <a:rPr lang="en-US" dirty="0"/>
+              <a:t>All the protocols were implemented with optimizations like bit slicing, integer packing and use of lookup table.</a:t>
+            </a:r>
+          </a:p>
+        </p:txBody>
+      </p:sp>
+      <p:sp>
+        <p:nvSpPr>
+          <p:cNvPr id="4" name="Footer Placeholder 3">
+            <a:extLst>
+              <a:ext uri="{FF2B5EF4-FFF2-40B4-BE49-F238E27FC236}">
+                <a16:creationId xmlns:a16="http://schemas.microsoft.com/office/drawing/2014/main" id="{5058869C-0BEA-9241-9D1D-3D67194009E0}"/>
+              </a:ext>
+            </a:extLst>
+          </p:cNvPr>
+          <p:cNvSpPr>
+            <a:spLocks noGrp="1"/>
+          </p:cNvSpPr>
+          <p:nvPr>
+            <p:ph type="ftr" sz="quarter" idx="11"/>
+          </p:nvPr>
+        </p:nvSpPr>
+        <p:spPr/>
+        <p:txBody>
+          <a:bodyPr/>
+          <a:lstStyle/>
+          <a:p>
+            <a:endParaRPr lang="en-US"/>
           </a:p>
         </p:txBody>
       </p:sp>
     </p:spTree>
     <p:extLst>
       <p:ext uri="{BB962C8B-B14F-4D97-AF65-F5344CB8AC3E}">
-        <p14:creationId xmlns:p14="http://schemas.microsoft.com/office/powerpoint/2010/main" val="3028015451"/>
+        <p14:creationId xmlns:p14="http://schemas.microsoft.com/office/powerpoint/2010/main" val="3999663673"/>
+      </p:ext>
+    </p:extLst>
+  </p:cSld>
+  <p:clrMapOvr>
+    <a:masterClrMapping/>
+  </p:clrMapOvr>
+</p:sld>
+</file>
+
+<file path=ppt/slides/slide5.xml><?xml version="1.0" encoding="utf-8"?>
+<p:sld xmlns:a="http://schemas.openxmlformats.org/drawingml/2006/main" xmlns:r="http://schemas.openxmlformats.org/officeDocument/2006/relationships" xmlns:p="http://schemas.openxmlformats.org/presentationml/2006/main">
+  <p:cSld>
+    <p:spTree>
+      <p:nvGrpSpPr>
+        <p:cNvPr id="1" name=""/>
+        <p:cNvGrpSpPr/>
+        <p:nvPr/>
+      </p:nvGrpSpPr>
+      <p:grpSpPr>
+        <a:xfrm>
+          <a:off x="0" y="0"/>
+          <a:ext cx="0" cy="0"/>
+          <a:chOff x="0" y="0"/>
+          <a:chExt cx="0" cy="0"/>
+        </a:xfrm>
+      </p:grpSpPr>
+      <p:sp>
+        <p:nvSpPr>
+          <p:cNvPr id="2" name="Title 1">
+            <a:extLst>
+              <a:ext uri="{FF2B5EF4-FFF2-40B4-BE49-F238E27FC236}">
+                <a16:creationId xmlns:a16="http://schemas.microsoft.com/office/drawing/2014/main" id="{ED4D433D-A399-D843-A9F5-855304CEFD04}"/>
+              </a:ext>
+            </a:extLst>
+          </p:cNvPr>
+          <p:cNvSpPr>
+            <a:spLocks noGrp="1"/>
+          </p:cNvSpPr>
+          <p:nvPr>
+            <p:ph type="title"/>
+          </p:nvPr>
+        </p:nvSpPr>
+        <p:spPr/>
+        <p:txBody>
+          <a:bodyPr/>
+          <a:lstStyle/>
+          <a:p>
+            <a:endParaRPr lang="en-US"/>
+          </a:p>
+        </p:txBody>
+      </p:sp>
+      <p:sp>
+        <p:nvSpPr>
+          <p:cNvPr id="3" name="Content Placeholder 2">
+            <a:extLst>
+              <a:ext uri="{FF2B5EF4-FFF2-40B4-BE49-F238E27FC236}">
+                <a16:creationId xmlns:a16="http://schemas.microsoft.com/office/drawing/2014/main" id="{F85BCEB3-0221-D540-99D5-1879C0A86B9A}"/>
+              </a:ext>
+            </a:extLst>
+          </p:cNvPr>
+          <p:cNvSpPr>
+            <a:spLocks noGrp="1"/>
+          </p:cNvSpPr>
+          <p:nvPr>
+            <p:ph idx="1"/>
+          </p:nvPr>
+        </p:nvSpPr>
+        <p:spPr/>
+        <p:txBody>
+          <a:bodyPr/>
+          <a:lstStyle/>
+          <a:p>
+            <a:endParaRPr lang="en-US"/>
+          </a:p>
+        </p:txBody>
+      </p:sp>
+      <p:sp>
+        <p:nvSpPr>
+          <p:cNvPr id="4" name="Footer Placeholder 3">
+            <a:extLst>
+              <a:ext uri="{FF2B5EF4-FFF2-40B4-BE49-F238E27FC236}">
+                <a16:creationId xmlns:a16="http://schemas.microsoft.com/office/drawing/2014/main" id="{CCF22C15-95B1-CA4E-B975-83DF8D001909}"/>
+              </a:ext>
+            </a:extLst>
+          </p:cNvPr>
+          <p:cNvSpPr>
+            <a:spLocks noGrp="1"/>
+          </p:cNvSpPr>
+          <p:nvPr>
+            <p:ph type="ftr" sz="quarter" idx="11"/>
+          </p:nvPr>
+        </p:nvSpPr>
+        <p:spPr/>
+        <p:txBody>
+          <a:bodyPr/>
+          <a:lstStyle/>
+          <a:p>
+            <a:endParaRPr lang="en-US"/>
+          </a:p>
+        </p:txBody>
+      </p:sp>
+    </p:spTree>
+    <p:extLst>
+      <p:ext uri="{BB962C8B-B14F-4D97-AF65-F5344CB8AC3E}">
+        <p14:creationId xmlns:p14="http://schemas.microsoft.com/office/powerpoint/2010/main" val="3071495976"/>
       </p:ext>
     </p:extLst>
   </p:cSld>

--- a/Documents/analysis/additional_details_plan.pptx
+++ b/Documents/analysis/additional_details_plan.pptx
@@ -5,14 +5,16 @@
     <p:sldMasterId id="2147483648" r:id="rId1"/>
   </p:sldMasterIdLst>
   <p:notesMasterIdLst>
-    <p:notesMasterId r:id="rId7"/>
+    <p:notesMasterId r:id="rId9"/>
   </p:notesMasterIdLst>
   <p:sldIdLst>
     <p:sldId id="1076" r:id="rId2"/>
     <p:sldId id="1075" r:id="rId3"/>
     <p:sldId id="1077" r:id="rId4"/>
     <p:sldId id="1078" r:id="rId5"/>
-    <p:sldId id="1079" r:id="rId6"/>
+    <p:sldId id="1080" r:id="rId6"/>
+    <p:sldId id="1081" r:id="rId7"/>
+    <p:sldId id="1079" r:id="rId8"/>
   </p:sldIdLst>
   <p:sldSz cx="12192000" cy="6858000"/>
   <p:notesSz cx="6858000" cy="9144000"/>
@@ -201,7 +203,7 @@
           <a:p>
             <a:fld id="{AA3DA5C9-E424-8A4A-B0A6-B6DD99307809}" type="datetimeFigureOut">
               <a:rPr lang="en-US" smtClean="0"/>
-              <a:t>1/16/21</a:t>
+              <a:t>1/17/21</a:t>
             </a:fld>
             <a:endParaRPr lang="en-US"/>
           </a:p>
@@ -615,7 +617,7 @@
           <a:p>
             <a:fld id="{1C466894-67A4-F641-8B7E-C19FA7CE2968}" type="datetime1">
               <a:rPr lang="en-US" smtClean="0"/>
-              <a:t>1/16/21</a:t>
+              <a:t>1/17/21</a:t>
             </a:fld>
             <a:endParaRPr lang="en-US"/>
           </a:p>
@@ -813,7 +815,7 @@
           <a:p>
             <a:fld id="{65842E2E-6114-CF4B-B7B2-324E605BE862}" type="datetime1">
               <a:rPr lang="en-US" smtClean="0"/>
-              <a:t>1/16/21</a:t>
+              <a:t>1/17/21</a:t>
             </a:fld>
             <a:endParaRPr lang="en-US"/>
           </a:p>
@@ -1021,7 +1023,7 @@
           <a:p>
             <a:fld id="{FA559CF9-E5F6-6E47-98F8-9B1844AA7CBC}" type="datetime1">
               <a:rPr lang="en-US" smtClean="0"/>
-              <a:t>1/16/21</a:t>
+              <a:t>1/17/21</a:t>
             </a:fld>
             <a:endParaRPr lang="en-US"/>
           </a:p>
@@ -1219,7 +1221,7 @@
           <a:p>
             <a:fld id="{E9D31541-4DC2-3844-92B9-BB10F5EFA448}" type="datetime1">
               <a:rPr lang="en-US" smtClean="0"/>
-              <a:t>1/16/21</a:t>
+              <a:t>1/17/21</a:t>
             </a:fld>
             <a:endParaRPr lang="en-US"/>
           </a:p>
@@ -1494,7 +1496,7 @@
           <a:p>
             <a:fld id="{D537C503-3669-B049-9AFA-54492E5C0E99}" type="datetime1">
               <a:rPr lang="en-US" smtClean="0"/>
-              <a:t>1/16/21</a:t>
+              <a:t>1/17/21</a:t>
             </a:fld>
             <a:endParaRPr lang="en-US"/>
           </a:p>
@@ -1759,7 +1761,7 @@
           <a:p>
             <a:fld id="{A6A067F9-9E2B-CE45-B81D-0F888E5C444C}" type="datetime1">
               <a:rPr lang="en-US" smtClean="0"/>
-              <a:t>1/16/21</a:t>
+              <a:t>1/17/21</a:t>
             </a:fld>
             <a:endParaRPr lang="en-US"/>
           </a:p>
@@ -2171,7 +2173,7 @@
           <a:p>
             <a:fld id="{F192521E-65B2-C14A-87D9-4E9D716B8427}" type="datetime1">
               <a:rPr lang="en-US" smtClean="0"/>
-              <a:t>1/16/21</a:t>
+              <a:t>1/17/21</a:t>
             </a:fld>
             <a:endParaRPr lang="en-US"/>
           </a:p>
@@ -2312,7 +2314,7 @@
           <a:p>
             <a:fld id="{094CE1D4-8B89-F043-8F7C-AEA4BFDA4562}" type="datetime1">
               <a:rPr lang="en-US" smtClean="0"/>
-              <a:t>1/16/21</a:t>
+              <a:t>1/17/21</a:t>
             </a:fld>
             <a:endParaRPr lang="en-US"/>
           </a:p>
@@ -2425,7 +2427,7 @@
           <a:p>
             <a:fld id="{F44FBC00-793F-5E4A-8B12-BB39154B5C3C}" type="datetime1">
               <a:rPr lang="en-US" smtClean="0"/>
-              <a:t>1/16/21</a:t>
+              <a:t>1/17/21</a:t>
             </a:fld>
             <a:endParaRPr lang="en-US"/>
           </a:p>
@@ -2736,7 +2738,7 @@
           <a:p>
             <a:fld id="{60E91856-9BDF-5145-AF95-3E6F31CE8228}" type="datetime1">
               <a:rPr lang="en-US" smtClean="0"/>
-              <a:t>1/16/21</a:t>
+              <a:t>1/17/21</a:t>
             </a:fld>
             <a:endParaRPr lang="en-US"/>
           </a:p>
@@ -3024,7 +3026,7 @@
           <a:p>
             <a:fld id="{4342E33D-B578-2C40-A190-217E7ADC7BD6}" type="datetime1">
               <a:rPr lang="en-US" smtClean="0"/>
-              <a:t>1/16/21</a:t>
+              <a:t>1/17/21</a:t>
             </a:fld>
             <a:endParaRPr lang="en-US"/>
           </a:p>
@@ -3265,7 +3267,7 @@
           <a:p>
             <a:fld id="{1AF25C40-A70C-3843-AC57-BE249D56C0DD}" type="datetime1">
               <a:rPr lang="en-US" smtClean="0"/>
-              <a:t>1/16/21</a:t>
+              <a:t>1/17/21</a:t>
             </a:fld>
             <a:endParaRPr lang="en-US"/>
           </a:p>
@@ -4295,6 +4297,381 @@
           <p:cNvPr id="2" name="Title 1">
             <a:extLst>
               <a:ext uri="{FF2B5EF4-FFF2-40B4-BE49-F238E27FC236}">
+                <a16:creationId xmlns:a16="http://schemas.microsoft.com/office/drawing/2014/main" id="{F05E1BB2-D9B1-9649-812F-E90D0C04E0AF}"/>
+              </a:ext>
+            </a:extLst>
+          </p:cNvPr>
+          <p:cNvSpPr>
+            <a:spLocks noGrp="1"/>
+          </p:cNvSpPr>
+          <p:nvPr>
+            <p:ph type="title"/>
+          </p:nvPr>
+        </p:nvSpPr>
+        <p:spPr/>
+        <p:txBody>
+          <a:bodyPr/>
+          <a:lstStyle/>
+          <a:p>
+            <a:r>
+              <a:rPr lang="en-US" dirty="0"/>
+              <a:t>What were the trade-offs</a:t>
+            </a:r>
+          </a:p>
+        </p:txBody>
+      </p:sp>
+      <p:sp>
+        <p:nvSpPr>
+          <p:cNvPr id="3" name="Content Placeholder 2">
+            <a:extLst>
+              <a:ext uri="{FF2B5EF4-FFF2-40B4-BE49-F238E27FC236}">
+                <a16:creationId xmlns:a16="http://schemas.microsoft.com/office/drawing/2014/main" id="{2F7638FC-8CEE-FA42-8F39-EB65E48940B4}"/>
+              </a:ext>
+            </a:extLst>
+          </p:cNvPr>
+          <p:cNvSpPr>
+            <a:spLocks noGrp="1"/>
+          </p:cNvSpPr>
+          <p:nvPr>
+            <p:ph idx="1"/>
+          </p:nvPr>
+        </p:nvSpPr>
+        <p:spPr/>
+        <p:txBody>
+          <a:bodyPr/>
+          <a:lstStyle/>
+          <a:p>
+            <a:r>
+              <a:rPr lang="en-US" dirty="0"/>
+              <a:t>In order to achieve speed we used optimizations like </a:t>
+            </a:r>
+            <a:r>
+              <a:rPr lang="en-US" u="sng" dirty="0"/>
+              <a:t>bit-slicing </a:t>
+            </a:r>
+            <a:r>
+              <a:rPr lang="en-US" dirty="0"/>
+              <a:t>and </a:t>
+            </a:r>
+            <a:r>
+              <a:rPr lang="en-US" u="sng" dirty="0"/>
+              <a:t>Z3 lookup table</a:t>
+            </a:r>
+            <a:r>
+              <a:rPr lang="en-US" dirty="0"/>
+              <a:t>.</a:t>
+            </a:r>
+          </a:p>
+          <a:p>
+            <a:r>
+              <a:rPr lang="en-US" dirty="0"/>
+              <a:t>While these two methods were way faster than the naïve implementation, but they had some disadvantages.</a:t>
+            </a:r>
+          </a:p>
+          <a:p>
+            <a:r>
+              <a:rPr lang="en-US" dirty="0"/>
+              <a:t>Lookup table disadvantages:</a:t>
+            </a:r>
+          </a:p>
+          <a:p>
+            <a:pPr lvl="1"/>
+            <a:r>
+              <a:rPr lang="en-US" dirty="0"/>
+              <a:t>Large size of lookup table requires huge amount of memory. It is not usable in a strict memory constraint device.</a:t>
+            </a:r>
+          </a:p>
+          <a:p>
+            <a:r>
+              <a:rPr lang="en-US" dirty="0"/>
+              <a:t>Bit slicing required us to work twice on a single Z3 element. </a:t>
+            </a:r>
+          </a:p>
+          <a:p>
+            <a:pPr lvl="1"/>
+            <a:r>
+              <a:rPr lang="en-US" dirty="0"/>
+              <a:t>A Z3 element is divided as two bits of Z2 elements, so it takes twice the number of calls to any function that processes a Z3 element.</a:t>
+            </a:r>
+          </a:p>
+        </p:txBody>
+      </p:sp>
+      <p:sp>
+        <p:nvSpPr>
+          <p:cNvPr id="4" name="Footer Placeholder 3">
+            <a:extLst>
+              <a:ext uri="{FF2B5EF4-FFF2-40B4-BE49-F238E27FC236}">
+                <a16:creationId xmlns:a16="http://schemas.microsoft.com/office/drawing/2014/main" id="{A01811A8-F494-684C-AEDC-D02B30EF9A95}"/>
+              </a:ext>
+            </a:extLst>
+          </p:cNvPr>
+          <p:cNvSpPr>
+            <a:spLocks noGrp="1"/>
+          </p:cNvSpPr>
+          <p:nvPr>
+            <p:ph type="ftr" sz="quarter" idx="11"/>
+          </p:nvPr>
+        </p:nvSpPr>
+        <p:spPr>
+          <a:xfrm>
+            <a:off x="301083" y="6356350"/>
+            <a:ext cx="10805532" cy="365125"/>
+          </a:xfrm>
+        </p:spPr>
+        <p:txBody>
+          <a:bodyPr/>
+          <a:lstStyle/>
+          <a:p>
+            <a:pPr algn="l"/>
+            <a:r>
+              <a:rPr lang="en-US" dirty="0">
+                <a:solidFill>
+                  <a:schemeClr val="tx1"/>
+                </a:solidFill>
+              </a:rPr>
+              <a:t>A paper with the method is found here: Mahboob, A., and N. Ikram. "Lookup table based multiplication technique for GF (2m) with cryptographic significance." </a:t>
+            </a:r>
+            <a:r>
+              <a:rPr lang="en-US" i="1" dirty="0">
+                <a:solidFill>
+                  <a:schemeClr val="tx1"/>
+                </a:solidFill>
+              </a:rPr>
+              <a:t>IEE Proceedings-Communications</a:t>
+            </a:r>
+            <a:r>
+              <a:rPr lang="en-US" dirty="0">
+                <a:solidFill>
+                  <a:schemeClr val="tx1"/>
+                </a:solidFill>
+              </a:rPr>
+              <a:t> 152.6 (2005): 965-974. </a:t>
+            </a:r>
+            <a:r>
+              <a:rPr lang="en-US" dirty="0">
+                <a:solidFill>
+                  <a:srgbClr val="0563C1"/>
+                </a:solidFill>
+                <a:hlinkClick r:id="rId2">
+                  <a:extLst>
+                    <a:ext uri="{A12FA001-AC4F-418D-AE19-62706E023703}">
+                      <ahyp:hlinkClr xmlns:ahyp="http://schemas.microsoft.com/office/drawing/2018/hyperlinkcolor" val="tx"/>
+                    </a:ext>
+                  </a:extLst>
+                </a:hlinkClick>
+              </a:rPr>
+              <a:t>10.1049/ip-com:</a:t>
+            </a:r>
+            <a:r>
+              <a:rPr lang="en-US" dirty="0">
+                <a:solidFill>
+                  <a:schemeClr val="tx1"/>
+                </a:solidFill>
+                <a:hlinkClick r:id="rId2">
+                  <a:extLst>
+                    <a:ext uri="{A12FA001-AC4F-418D-AE19-62706E023703}">
+                      <ahyp:hlinkClr xmlns:ahyp="http://schemas.microsoft.com/office/drawing/2018/hyperlinkcolor" val="tx"/>
+                    </a:ext>
+                  </a:extLst>
+                </a:hlinkClick>
+              </a:rPr>
+              <a:t>20050022</a:t>
+            </a:r>
+            <a:endParaRPr lang="en-US" dirty="0">
+              <a:solidFill>
+                <a:schemeClr val="tx1"/>
+              </a:solidFill>
+            </a:endParaRPr>
+          </a:p>
+        </p:txBody>
+      </p:sp>
+    </p:spTree>
+    <p:extLst>
+      <p:ext uri="{BB962C8B-B14F-4D97-AF65-F5344CB8AC3E}">
+        <p14:creationId xmlns:p14="http://schemas.microsoft.com/office/powerpoint/2010/main" val="1836914594"/>
+      </p:ext>
+    </p:extLst>
+  </p:cSld>
+  <p:clrMapOvr>
+    <a:masterClrMapping/>
+  </p:clrMapOvr>
+</p:sld>
+</file>
+
+<file path=ppt/slides/slide6.xml><?xml version="1.0" encoding="utf-8"?>
+<p:sld xmlns:a="http://schemas.openxmlformats.org/drawingml/2006/main" xmlns:r="http://schemas.openxmlformats.org/officeDocument/2006/relationships" xmlns:p="http://schemas.openxmlformats.org/presentationml/2006/main">
+  <p:cSld>
+    <p:spTree>
+      <p:nvGrpSpPr>
+        <p:cNvPr id="1" name=""/>
+        <p:cNvGrpSpPr/>
+        <p:nvPr/>
+      </p:nvGrpSpPr>
+      <p:grpSpPr>
+        <a:xfrm>
+          <a:off x="0" y="0"/>
+          <a:ext cx="0" cy="0"/>
+          <a:chOff x="0" y="0"/>
+          <a:chExt cx="0" cy="0"/>
+        </a:xfrm>
+      </p:grpSpPr>
+      <p:sp>
+        <p:nvSpPr>
+          <p:cNvPr id="2" name="Title 1">
+            <a:extLst>
+              <a:ext uri="{FF2B5EF4-FFF2-40B4-BE49-F238E27FC236}">
+                <a16:creationId xmlns:a16="http://schemas.microsoft.com/office/drawing/2014/main" id="{65194230-2107-A64A-AFA1-4AC480177236}"/>
+              </a:ext>
+            </a:extLst>
+          </p:cNvPr>
+          <p:cNvSpPr>
+            <a:spLocks noGrp="1"/>
+          </p:cNvSpPr>
+          <p:nvPr>
+            <p:ph type="title"/>
+          </p:nvPr>
+        </p:nvSpPr>
+        <p:spPr/>
+        <p:txBody>
+          <a:bodyPr/>
+          <a:lstStyle/>
+          <a:p>
+            <a:r>
+              <a:rPr lang="en-US" dirty="0"/>
+              <a:t>Things to do</a:t>
+            </a:r>
+          </a:p>
+        </p:txBody>
+      </p:sp>
+      <p:sp>
+        <p:nvSpPr>
+          <p:cNvPr id="3" name="Content Placeholder 2">
+            <a:extLst>
+              <a:ext uri="{FF2B5EF4-FFF2-40B4-BE49-F238E27FC236}">
+                <a16:creationId xmlns:a16="http://schemas.microsoft.com/office/drawing/2014/main" id="{9BDC0359-1F96-6048-BCC8-71AAA205F8BB}"/>
+              </a:ext>
+            </a:extLst>
+          </p:cNvPr>
+          <p:cNvSpPr>
+            <a:spLocks noGrp="1"/>
+          </p:cNvSpPr>
+          <p:nvPr>
+            <p:ph idx="1"/>
+          </p:nvPr>
+        </p:nvSpPr>
+        <p:spPr/>
+        <p:txBody>
+          <a:bodyPr/>
+          <a:lstStyle/>
+          <a:p>
+            <a:r>
+              <a:rPr lang="en-US" dirty="0"/>
+              <a:t>Add size of the lookup table in (Bytes)-read abstract</a:t>
+            </a:r>
+            <a:r>
+              <a:rPr lang="en-US" baseline="30000" dirty="0"/>
+              <a:t>2</a:t>
+            </a:r>
+            <a:endParaRPr lang="en-US" sz="1800" dirty="0"/>
+          </a:p>
+          <a:p>
+            <a:r>
+              <a:rPr lang="en-US" sz="1800" dirty="0"/>
+              <a:t>Read the papers and add them to references.</a:t>
+            </a:r>
+          </a:p>
+        </p:txBody>
+      </p:sp>
+      <p:sp>
+        <p:nvSpPr>
+          <p:cNvPr id="4" name="Footer Placeholder 3">
+            <a:extLst>
+              <a:ext uri="{FF2B5EF4-FFF2-40B4-BE49-F238E27FC236}">
+                <a16:creationId xmlns:a16="http://schemas.microsoft.com/office/drawing/2014/main" id="{5D31C8F1-EFE1-D94F-8185-A0008390CA2C}"/>
+              </a:ext>
+            </a:extLst>
+          </p:cNvPr>
+          <p:cNvSpPr>
+            <a:spLocks noGrp="1"/>
+          </p:cNvSpPr>
+          <p:nvPr>
+            <p:ph type="ftr" sz="quarter" idx="11"/>
+          </p:nvPr>
+        </p:nvSpPr>
+        <p:spPr>
+          <a:xfrm>
+            <a:off x="89210" y="6356350"/>
+            <a:ext cx="11976410" cy="365125"/>
+          </a:xfrm>
+        </p:spPr>
+        <p:txBody>
+          <a:bodyPr/>
+          <a:lstStyle/>
+          <a:p>
+            <a:pPr algn="l"/>
+            <a:r>
+              <a:rPr lang="en-US" b="1" baseline="30000" dirty="0">
+                <a:solidFill>
+                  <a:schemeClr val="tx1"/>
+                </a:solidFill>
+              </a:rPr>
+              <a:t>2</a:t>
+            </a:r>
+            <a:r>
+              <a:rPr lang="en-US" b="1" dirty="0">
+                <a:solidFill>
+                  <a:schemeClr val="tx1"/>
+                </a:solidFill>
+              </a:rPr>
+              <a:t>Fast division algorithm with a small lookup table</a:t>
+            </a:r>
+          </a:p>
+          <a:p>
+            <a:r>
+              <a:rPr lang="en-US" dirty="0">
+                <a:hlinkClick r:id="rId2"/>
+              </a:rPr>
+              <a:t>https://ieeexplore.ieee.org/abstract/document/831992?casa_token=3M_8apDRKuwAAAAA:QNBgl3poCU-QW3doKV5pp1BXGBq9uN3wRncrwc-cHCp_KgFdXuJSJUubpxvQLeWY0ZtYtdPwTtpN</a:t>
+            </a:r>
+            <a:endParaRPr lang="en-US" dirty="0"/>
+          </a:p>
+        </p:txBody>
+      </p:sp>
+    </p:spTree>
+    <p:extLst>
+      <p:ext uri="{BB962C8B-B14F-4D97-AF65-F5344CB8AC3E}">
+        <p14:creationId xmlns:p14="http://schemas.microsoft.com/office/powerpoint/2010/main" val="3598641477"/>
+      </p:ext>
+    </p:extLst>
+  </p:cSld>
+  <p:clrMapOvr>
+    <a:masterClrMapping/>
+  </p:clrMapOvr>
+</p:sld>
+</file>
+
+<file path=ppt/slides/slide7.xml><?xml version="1.0" encoding="utf-8"?>
+<p:sld xmlns:a="http://schemas.openxmlformats.org/drawingml/2006/main" xmlns:r="http://schemas.openxmlformats.org/officeDocument/2006/relationships" xmlns:p="http://schemas.openxmlformats.org/presentationml/2006/main">
+  <p:cSld>
+    <p:spTree>
+      <p:nvGrpSpPr>
+        <p:cNvPr id="1" name=""/>
+        <p:cNvGrpSpPr/>
+        <p:nvPr/>
+      </p:nvGrpSpPr>
+      <p:grpSpPr>
+        <a:xfrm>
+          <a:off x="0" y="0"/>
+          <a:ext cx="0" cy="0"/>
+          <a:chOff x="0" y="0"/>
+          <a:chExt cx="0" cy="0"/>
+        </a:xfrm>
+      </p:grpSpPr>
+      <p:sp>
+        <p:nvSpPr>
+          <p:cNvPr id="2" name="Title 1">
+            <a:extLst>
+              <a:ext uri="{FF2B5EF4-FFF2-40B4-BE49-F238E27FC236}">
                 <a16:creationId xmlns:a16="http://schemas.microsoft.com/office/drawing/2014/main" id="{ED4D433D-A399-D843-A9F5-855304CEFD04}"/>
               </a:ext>
             </a:extLst>
@@ -4311,7 +4688,10 @@
           <a:bodyPr/>
           <a:lstStyle/>
           <a:p>
-            <a:endParaRPr lang="en-US"/>
+            <a:r>
+              <a:rPr lang="en-US" dirty="0"/>
+              <a:t>References</a:t>
+            </a:r>
           </a:p>
         </p:txBody>
       </p:sp>
@@ -4333,10 +4713,95 @@
         </p:nvSpPr>
         <p:spPr/>
         <p:txBody>
-          <a:bodyPr/>
-          <a:lstStyle/>
-          <a:p>
-            <a:endParaRPr lang="en-US"/>
+          <a:bodyPr>
+            <a:normAutofit/>
+          </a:bodyPr>
+          <a:lstStyle/>
+          <a:p>
+            <a:r>
+              <a:rPr lang="en-US" sz="2000" dirty="0"/>
+              <a:t>¹Boneh, Dan, et al. "Exploring crypto dark matter." </a:t>
+            </a:r>
+            <a:r>
+              <a:rPr lang="en-US" sz="2000" i="1" dirty="0"/>
+              <a:t>Theory of Cryptography Conference</a:t>
+            </a:r>
+            <a:r>
+              <a:rPr lang="en-US" sz="2000" dirty="0"/>
+              <a:t>. Springer, Cham, 2018.</a:t>
+            </a:r>
+          </a:p>
+          <a:p>
+            <a:r>
+              <a:rPr lang="en-US" sz="2000" dirty="0"/>
+              <a:t>Bit Slicing - </a:t>
+            </a:r>
+            <a:r>
+              <a:rPr lang="en-US" sz="2000" dirty="0">
+                <a:hlinkClick r:id="rId2"/>
+              </a:rPr>
+              <a:t>https://patentimages.storage.googleapis.com/a5/19/13/146503112f6b68/US5530661.pdf</a:t>
+            </a:r>
+            <a:endParaRPr lang="en-US" sz="2000" dirty="0"/>
+          </a:p>
+          <a:p>
+            <a:r>
+              <a:rPr lang="en-US" sz="2000" dirty="0" err="1"/>
+              <a:t>SipHash</a:t>
+            </a:r>
+            <a:r>
+              <a:rPr lang="en-US" sz="2000" dirty="0"/>
+              <a:t>(</a:t>
+            </a:r>
+            <a:r>
+              <a:rPr lang="en-US" sz="2000" dirty="0" err="1"/>
+              <a:t>Aumasson</a:t>
+            </a:r>
+            <a:r>
+              <a:rPr lang="en-US" sz="2000" dirty="0"/>
+              <a:t>, Jean-Philippe, and Daniel J. Bernstein. "</a:t>
+            </a:r>
+            <a:r>
+              <a:rPr lang="en-US" sz="2000" dirty="0" err="1"/>
+              <a:t>SipHash</a:t>
+            </a:r>
+            <a:r>
+              <a:rPr lang="en-US" sz="2000" dirty="0"/>
+              <a:t>: a fast short-input PRF." </a:t>
+            </a:r>
+            <a:r>
+              <a:rPr lang="en-US" sz="2000" i="1" dirty="0"/>
+              <a:t>International Conference on Cryptology in India</a:t>
+            </a:r>
+            <a:r>
+              <a:rPr lang="en-US" sz="2000" dirty="0"/>
+              <a:t>. Springer, Berlin, Heidelberg, 2012). </a:t>
+            </a:r>
+            <a:r>
+              <a:rPr lang="en-US" sz="2000" dirty="0">
+                <a:hlinkClick r:id="rId3"/>
+              </a:rPr>
+              <a:t>http://citeseerx.ist.psu.edu/viewdoc/download?doi=10.1.1.363.1130&amp;rep=rep1&amp;type=pdf</a:t>
+            </a:r>
+            <a:endParaRPr lang="en-US" sz="2000" dirty="0"/>
+          </a:p>
+          <a:p>
+            <a:r>
+              <a:rPr lang="en-US" sz="2000" dirty="0" err="1"/>
+              <a:t>Libsodium</a:t>
+            </a:r>
+            <a:r>
+              <a:rPr lang="en-US" sz="2000" dirty="0"/>
+              <a:t> – Bernstein, Daniel J., and Frank Denis. "</a:t>
+            </a:r>
+            <a:r>
+              <a:rPr lang="en-US" sz="2000" dirty="0" err="1"/>
+              <a:t>Libsodium</a:t>
+            </a:r>
+            <a:r>
+              <a:rPr lang="en-US" sz="2000" dirty="0"/>
+              <a:t>-a modern, portable, easy to use crypto library." (2019).</a:t>
+            </a:r>
           </a:p>
         </p:txBody>
       </p:sp>
